--- a/PPT/2DGP 3차 발표.pptx
+++ b/PPT/2DGP 3차 발표.pptx
@@ -157,10 +157,9 @@
           </a:lstStyle>
           <a:p>
             <a:r>
-              <a:rPr lang="ko-KR" altLang="en-US" smtClean="0"/>
+              <a:rPr lang="ko-KR" altLang="en-US"/>
               <a:t>마스터 제목 스타일 편집</a:t>
             </a:r>
-            <a:endParaRPr lang="ko-KR" altLang="en-US"/>
           </a:p>
         </p:txBody>
       </p:sp>
@@ -222,10 +221,9 @@
           </a:lstStyle>
           <a:p>
             <a:r>
-              <a:rPr lang="ko-KR" altLang="en-US" smtClean="0"/>
+              <a:rPr lang="ko-KR" altLang="en-US"/>
               <a:t>마스터 부제목 스타일 편집</a:t>
             </a:r>
-            <a:endParaRPr lang="ko-KR" altLang="en-US"/>
           </a:p>
         </p:txBody>
       </p:sp>
@@ -340,10 +338,9 @@
           <a:lstStyle/>
           <a:p>
             <a:r>
-              <a:rPr lang="ko-KR" altLang="en-US" smtClean="0"/>
+              <a:rPr lang="ko-KR" altLang="en-US"/>
               <a:t>마스터 제목 스타일 편집</a:t>
             </a:r>
-            <a:endParaRPr lang="ko-KR" altLang="en-US"/>
           </a:p>
         </p:txBody>
       </p:sp>
@@ -364,38 +361,37 @@
           <a:p>
             <a:pPr lvl="0"/>
             <a:r>
-              <a:rPr lang="ko-KR" altLang="en-US" smtClean="0"/>
+              <a:rPr lang="ko-KR" altLang="en-US"/>
               <a:t>마스터 텍스트 스타일을 편집합니다</a:t>
             </a:r>
           </a:p>
           <a:p>
             <a:pPr lvl="1"/>
             <a:r>
-              <a:rPr lang="ko-KR" altLang="en-US" smtClean="0"/>
+              <a:rPr lang="ko-KR" altLang="en-US"/>
               <a:t>둘째 수준</a:t>
             </a:r>
           </a:p>
           <a:p>
             <a:pPr lvl="2"/>
             <a:r>
-              <a:rPr lang="ko-KR" altLang="en-US" smtClean="0"/>
+              <a:rPr lang="ko-KR" altLang="en-US"/>
               <a:t>셋째 수준</a:t>
             </a:r>
           </a:p>
           <a:p>
             <a:pPr lvl="3"/>
             <a:r>
-              <a:rPr lang="ko-KR" altLang="en-US" smtClean="0"/>
+              <a:rPr lang="ko-KR" altLang="en-US"/>
               <a:t>넷째 수준</a:t>
             </a:r>
           </a:p>
           <a:p>
             <a:pPr lvl="4"/>
             <a:r>
-              <a:rPr lang="ko-KR" altLang="en-US" smtClean="0"/>
+              <a:rPr lang="ko-KR" altLang="en-US"/>
               <a:t>다섯째 수준</a:t>
             </a:r>
-            <a:endParaRPr lang="ko-KR" altLang="en-US"/>
           </a:p>
         </p:txBody>
       </p:sp>
@@ -515,10 +511,9 @@
           <a:lstStyle/>
           <a:p>
             <a:r>
-              <a:rPr lang="ko-KR" altLang="en-US" smtClean="0"/>
+              <a:rPr lang="ko-KR" altLang="en-US"/>
               <a:t>마스터 제목 스타일 편집</a:t>
             </a:r>
-            <a:endParaRPr lang="ko-KR" altLang="en-US"/>
           </a:p>
         </p:txBody>
       </p:sp>
@@ -544,38 +539,37 @@
           <a:p>
             <a:pPr lvl="0"/>
             <a:r>
-              <a:rPr lang="ko-KR" altLang="en-US" smtClean="0"/>
+              <a:rPr lang="ko-KR" altLang="en-US"/>
               <a:t>마스터 텍스트 스타일을 편집합니다</a:t>
             </a:r>
           </a:p>
           <a:p>
             <a:pPr lvl="1"/>
             <a:r>
-              <a:rPr lang="ko-KR" altLang="en-US" smtClean="0"/>
+              <a:rPr lang="ko-KR" altLang="en-US"/>
               <a:t>둘째 수준</a:t>
             </a:r>
           </a:p>
           <a:p>
             <a:pPr lvl="2"/>
             <a:r>
-              <a:rPr lang="ko-KR" altLang="en-US" smtClean="0"/>
+              <a:rPr lang="ko-KR" altLang="en-US"/>
               <a:t>셋째 수준</a:t>
             </a:r>
           </a:p>
           <a:p>
             <a:pPr lvl="3"/>
             <a:r>
-              <a:rPr lang="ko-KR" altLang="en-US" smtClean="0"/>
+              <a:rPr lang="ko-KR" altLang="en-US"/>
               <a:t>넷째 수준</a:t>
             </a:r>
           </a:p>
           <a:p>
             <a:pPr lvl="4"/>
             <a:r>
-              <a:rPr lang="ko-KR" altLang="en-US" smtClean="0"/>
+              <a:rPr lang="ko-KR" altLang="en-US"/>
               <a:t>다섯째 수준</a:t>
             </a:r>
-            <a:endParaRPr lang="ko-KR" altLang="en-US"/>
           </a:p>
         </p:txBody>
       </p:sp>
@@ -690,10 +684,9 @@
           <a:lstStyle/>
           <a:p>
             <a:r>
-              <a:rPr lang="ko-KR" altLang="en-US" smtClean="0"/>
+              <a:rPr lang="ko-KR" altLang="en-US"/>
               <a:t>마스터 제목 스타일 편집</a:t>
             </a:r>
-            <a:endParaRPr lang="ko-KR" altLang="en-US"/>
           </a:p>
         </p:txBody>
       </p:sp>
@@ -714,38 +707,37 @@
           <a:p>
             <a:pPr lvl="0"/>
             <a:r>
-              <a:rPr lang="ko-KR" altLang="en-US" smtClean="0"/>
+              <a:rPr lang="ko-KR" altLang="en-US"/>
               <a:t>마스터 텍스트 스타일을 편집합니다</a:t>
             </a:r>
           </a:p>
           <a:p>
             <a:pPr lvl="1"/>
             <a:r>
-              <a:rPr lang="ko-KR" altLang="en-US" smtClean="0"/>
+              <a:rPr lang="ko-KR" altLang="en-US"/>
               <a:t>둘째 수준</a:t>
             </a:r>
           </a:p>
           <a:p>
             <a:pPr lvl="2"/>
             <a:r>
-              <a:rPr lang="ko-KR" altLang="en-US" smtClean="0"/>
+              <a:rPr lang="ko-KR" altLang="en-US"/>
               <a:t>셋째 수준</a:t>
             </a:r>
           </a:p>
           <a:p>
             <a:pPr lvl="3"/>
             <a:r>
-              <a:rPr lang="ko-KR" altLang="en-US" smtClean="0"/>
+              <a:rPr lang="ko-KR" altLang="en-US"/>
               <a:t>넷째 수준</a:t>
             </a:r>
           </a:p>
           <a:p>
             <a:pPr lvl="4"/>
             <a:r>
-              <a:rPr lang="ko-KR" altLang="en-US" smtClean="0"/>
+              <a:rPr lang="ko-KR" altLang="en-US"/>
               <a:t>다섯째 수준</a:t>
             </a:r>
-            <a:endParaRPr lang="ko-KR" altLang="en-US"/>
           </a:p>
         </p:txBody>
       </p:sp>
@@ -869,10 +861,9 @@
           </a:lstStyle>
           <a:p>
             <a:r>
-              <a:rPr lang="ko-KR" altLang="en-US" smtClean="0"/>
+              <a:rPr lang="ko-KR" altLang="en-US"/>
               <a:t>마스터 제목 스타일 편집</a:t>
             </a:r>
-            <a:endParaRPr lang="ko-KR" altLang="en-US"/>
           </a:p>
         </p:txBody>
       </p:sp>
@@ -989,7 +980,7 @@
           <a:p>
             <a:pPr lvl="0"/>
             <a:r>
-              <a:rPr lang="ko-KR" altLang="en-US" smtClean="0"/>
+              <a:rPr lang="ko-KR" altLang="en-US"/>
               <a:t>마스터 텍스트 스타일을 편집합니다</a:t>
             </a:r>
           </a:p>
@@ -1106,10 +1097,9 @@
           <a:lstStyle/>
           <a:p>
             <a:r>
-              <a:rPr lang="ko-KR" altLang="en-US" smtClean="0"/>
+              <a:rPr lang="ko-KR" altLang="en-US"/>
               <a:t>마스터 제목 스타일 편집</a:t>
             </a:r>
-            <a:endParaRPr lang="ko-KR" altLang="en-US"/>
           </a:p>
         </p:txBody>
       </p:sp>
@@ -1135,38 +1125,37 @@
           <a:p>
             <a:pPr lvl="0"/>
             <a:r>
-              <a:rPr lang="ko-KR" altLang="en-US" smtClean="0"/>
+              <a:rPr lang="ko-KR" altLang="en-US"/>
               <a:t>마스터 텍스트 스타일을 편집합니다</a:t>
             </a:r>
           </a:p>
           <a:p>
             <a:pPr lvl="1"/>
             <a:r>
-              <a:rPr lang="ko-KR" altLang="en-US" smtClean="0"/>
+              <a:rPr lang="ko-KR" altLang="en-US"/>
               <a:t>둘째 수준</a:t>
             </a:r>
           </a:p>
           <a:p>
             <a:pPr lvl="2"/>
             <a:r>
-              <a:rPr lang="ko-KR" altLang="en-US" smtClean="0"/>
+              <a:rPr lang="ko-KR" altLang="en-US"/>
               <a:t>셋째 수준</a:t>
             </a:r>
           </a:p>
           <a:p>
             <a:pPr lvl="3"/>
             <a:r>
-              <a:rPr lang="ko-KR" altLang="en-US" smtClean="0"/>
+              <a:rPr lang="ko-KR" altLang="en-US"/>
               <a:t>넷째 수준</a:t>
             </a:r>
           </a:p>
           <a:p>
             <a:pPr lvl="4"/>
             <a:r>
-              <a:rPr lang="ko-KR" altLang="en-US" smtClean="0"/>
+              <a:rPr lang="ko-KR" altLang="en-US"/>
               <a:t>다섯째 수준</a:t>
             </a:r>
-            <a:endParaRPr lang="ko-KR" altLang="en-US"/>
           </a:p>
         </p:txBody>
       </p:sp>
@@ -1192,38 +1181,37 @@
           <a:p>
             <a:pPr lvl="0"/>
             <a:r>
-              <a:rPr lang="ko-KR" altLang="en-US" smtClean="0"/>
+              <a:rPr lang="ko-KR" altLang="en-US"/>
               <a:t>마스터 텍스트 스타일을 편집합니다</a:t>
             </a:r>
           </a:p>
           <a:p>
             <a:pPr lvl="1"/>
             <a:r>
-              <a:rPr lang="ko-KR" altLang="en-US" smtClean="0"/>
+              <a:rPr lang="ko-KR" altLang="en-US"/>
               <a:t>둘째 수준</a:t>
             </a:r>
           </a:p>
           <a:p>
             <a:pPr lvl="2"/>
             <a:r>
-              <a:rPr lang="ko-KR" altLang="en-US" smtClean="0"/>
+              <a:rPr lang="ko-KR" altLang="en-US"/>
               <a:t>셋째 수준</a:t>
             </a:r>
           </a:p>
           <a:p>
             <a:pPr lvl="3"/>
             <a:r>
-              <a:rPr lang="ko-KR" altLang="en-US" smtClean="0"/>
+              <a:rPr lang="ko-KR" altLang="en-US"/>
               <a:t>넷째 수준</a:t>
             </a:r>
           </a:p>
           <a:p>
             <a:pPr lvl="4"/>
             <a:r>
-              <a:rPr lang="ko-KR" altLang="en-US" smtClean="0"/>
+              <a:rPr lang="ko-KR" altLang="en-US"/>
               <a:t>다섯째 수준</a:t>
             </a:r>
-            <a:endParaRPr lang="ko-KR" altLang="en-US"/>
           </a:p>
         </p:txBody>
       </p:sp>
@@ -1343,10 +1331,9 @@
           <a:lstStyle/>
           <a:p>
             <a:r>
-              <a:rPr lang="ko-KR" altLang="en-US" smtClean="0"/>
+              <a:rPr lang="ko-KR" altLang="en-US"/>
               <a:t>마스터 제목 스타일 편집</a:t>
             </a:r>
-            <a:endParaRPr lang="ko-KR" altLang="en-US"/>
           </a:p>
         </p:txBody>
       </p:sp>
@@ -1409,7 +1396,7 @@
           <a:p>
             <a:pPr lvl="0"/>
             <a:r>
-              <a:rPr lang="ko-KR" altLang="en-US" smtClean="0"/>
+              <a:rPr lang="ko-KR" altLang="en-US"/>
               <a:t>마스터 텍스트 스타일을 편집합니다</a:t>
             </a:r>
           </a:p>
@@ -1437,38 +1424,37 @@
           <a:p>
             <a:pPr lvl="0"/>
             <a:r>
-              <a:rPr lang="ko-KR" altLang="en-US" smtClean="0"/>
+              <a:rPr lang="ko-KR" altLang="en-US"/>
               <a:t>마스터 텍스트 스타일을 편집합니다</a:t>
             </a:r>
           </a:p>
           <a:p>
             <a:pPr lvl="1"/>
             <a:r>
-              <a:rPr lang="ko-KR" altLang="en-US" smtClean="0"/>
+              <a:rPr lang="ko-KR" altLang="en-US"/>
               <a:t>둘째 수준</a:t>
             </a:r>
           </a:p>
           <a:p>
             <a:pPr lvl="2"/>
             <a:r>
-              <a:rPr lang="ko-KR" altLang="en-US" smtClean="0"/>
+              <a:rPr lang="ko-KR" altLang="en-US"/>
               <a:t>셋째 수준</a:t>
             </a:r>
           </a:p>
           <a:p>
             <a:pPr lvl="3"/>
             <a:r>
-              <a:rPr lang="ko-KR" altLang="en-US" smtClean="0"/>
+              <a:rPr lang="ko-KR" altLang="en-US"/>
               <a:t>넷째 수준</a:t>
             </a:r>
           </a:p>
           <a:p>
             <a:pPr lvl="4"/>
             <a:r>
-              <a:rPr lang="ko-KR" altLang="en-US" smtClean="0"/>
+              <a:rPr lang="ko-KR" altLang="en-US"/>
               <a:t>다섯째 수준</a:t>
             </a:r>
-            <a:endParaRPr lang="ko-KR" altLang="en-US"/>
           </a:p>
         </p:txBody>
       </p:sp>
@@ -1531,7 +1517,7 @@
           <a:p>
             <a:pPr lvl="0"/>
             <a:r>
-              <a:rPr lang="ko-KR" altLang="en-US" smtClean="0"/>
+              <a:rPr lang="ko-KR" altLang="en-US"/>
               <a:t>마스터 텍스트 스타일을 편집합니다</a:t>
             </a:r>
           </a:p>
@@ -1559,38 +1545,37 @@
           <a:p>
             <a:pPr lvl="0"/>
             <a:r>
-              <a:rPr lang="ko-KR" altLang="en-US" smtClean="0"/>
+              <a:rPr lang="ko-KR" altLang="en-US"/>
               <a:t>마스터 텍스트 스타일을 편집합니다</a:t>
             </a:r>
           </a:p>
           <a:p>
             <a:pPr lvl="1"/>
             <a:r>
-              <a:rPr lang="ko-KR" altLang="en-US" smtClean="0"/>
+              <a:rPr lang="ko-KR" altLang="en-US"/>
               <a:t>둘째 수준</a:t>
             </a:r>
           </a:p>
           <a:p>
             <a:pPr lvl="2"/>
             <a:r>
-              <a:rPr lang="ko-KR" altLang="en-US" smtClean="0"/>
+              <a:rPr lang="ko-KR" altLang="en-US"/>
               <a:t>셋째 수준</a:t>
             </a:r>
           </a:p>
           <a:p>
             <a:pPr lvl="3"/>
             <a:r>
-              <a:rPr lang="ko-KR" altLang="en-US" smtClean="0"/>
+              <a:rPr lang="ko-KR" altLang="en-US"/>
               <a:t>넷째 수준</a:t>
             </a:r>
           </a:p>
           <a:p>
             <a:pPr lvl="4"/>
             <a:r>
-              <a:rPr lang="ko-KR" altLang="en-US" smtClean="0"/>
+              <a:rPr lang="ko-KR" altLang="en-US"/>
               <a:t>다섯째 수준</a:t>
             </a:r>
-            <a:endParaRPr lang="ko-KR" altLang="en-US"/>
           </a:p>
         </p:txBody>
       </p:sp>
@@ -1705,10 +1690,9 @@
           <a:lstStyle/>
           <a:p>
             <a:r>
-              <a:rPr lang="ko-KR" altLang="en-US" smtClean="0"/>
+              <a:rPr lang="ko-KR" altLang="en-US"/>
               <a:t>마스터 제목 스타일 편집</a:t>
             </a:r>
-            <a:endParaRPr lang="ko-KR" altLang="en-US"/>
           </a:p>
         </p:txBody>
       </p:sp>
@@ -1927,10 +1911,9 @@
           </a:lstStyle>
           <a:p>
             <a:r>
-              <a:rPr lang="ko-KR" altLang="en-US" smtClean="0"/>
+              <a:rPr lang="ko-KR" altLang="en-US"/>
               <a:t>마스터 제목 스타일 편집</a:t>
             </a:r>
-            <a:endParaRPr lang="ko-KR" altLang="en-US"/>
           </a:p>
         </p:txBody>
       </p:sp>
@@ -1984,38 +1967,37 @@
           <a:p>
             <a:pPr lvl="0"/>
             <a:r>
-              <a:rPr lang="ko-KR" altLang="en-US" smtClean="0"/>
+              <a:rPr lang="ko-KR" altLang="en-US"/>
               <a:t>마스터 텍스트 스타일을 편집합니다</a:t>
             </a:r>
           </a:p>
           <a:p>
             <a:pPr lvl="1"/>
             <a:r>
-              <a:rPr lang="ko-KR" altLang="en-US" smtClean="0"/>
+              <a:rPr lang="ko-KR" altLang="en-US"/>
               <a:t>둘째 수준</a:t>
             </a:r>
           </a:p>
           <a:p>
             <a:pPr lvl="2"/>
             <a:r>
-              <a:rPr lang="ko-KR" altLang="en-US" smtClean="0"/>
+              <a:rPr lang="ko-KR" altLang="en-US"/>
               <a:t>셋째 수준</a:t>
             </a:r>
           </a:p>
           <a:p>
             <a:pPr lvl="3"/>
             <a:r>
-              <a:rPr lang="ko-KR" altLang="en-US" smtClean="0"/>
+              <a:rPr lang="ko-KR" altLang="en-US"/>
               <a:t>넷째 수준</a:t>
             </a:r>
           </a:p>
           <a:p>
             <a:pPr lvl="4"/>
             <a:r>
-              <a:rPr lang="ko-KR" altLang="en-US" smtClean="0"/>
+              <a:rPr lang="ko-KR" altLang="en-US"/>
               <a:t>다섯째 수준</a:t>
             </a:r>
-            <a:endParaRPr lang="ko-KR" altLang="en-US"/>
           </a:p>
         </p:txBody>
       </p:sp>
@@ -2078,7 +2060,7 @@
           <a:p>
             <a:pPr lvl="0"/>
             <a:r>
-              <a:rPr lang="ko-KR" altLang="en-US" smtClean="0"/>
+              <a:rPr lang="ko-KR" altLang="en-US"/>
               <a:t>마스터 텍스트 스타일을 편집합니다</a:t>
             </a:r>
           </a:p>
@@ -2204,10 +2186,9 @@
           </a:lstStyle>
           <a:p>
             <a:r>
-              <a:rPr lang="ko-KR" altLang="en-US" smtClean="0"/>
+              <a:rPr lang="ko-KR" altLang="en-US"/>
               <a:t>마스터 제목 스타일 편집</a:t>
             </a:r>
-            <a:endParaRPr lang="ko-KR" altLang="en-US"/>
           </a:p>
         </p:txBody>
       </p:sp>
@@ -2331,7 +2312,7 @@
           <a:p>
             <a:pPr lvl="0"/>
             <a:r>
-              <a:rPr lang="ko-KR" altLang="en-US" smtClean="0"/>
+              <a:rPr lang="ko-KR" altLang="en-US"/>
               <a:t>마스터 텍스트 스타일을 편집합니다</a:t>
             </a:r>
           </a:p>
@@ -2463,10 +2444,9 @@
           <a:lstStyle/>
           <a:p>
             <a:r>
-              <a:rPr lang="ko-KR" altLang="en-US" smtClean="0"/>
+              <a:rPr lang="ko-KR" altLang="en-US"/>
               <a:t>마스터 제목 스타일 편집</a:t>
             </a:r>
-            <a:endParaRPr lang="ko-KR" altLang="en-US"/>
           </a:p>
         </p:txBody>
       </p:sp>
@@ -2497,38 +2477,37 @@
           <a:p>
             <a:pPr lvl="0"/>
             <a:r>
-              <a:rPr lang="ko-KR" altLang="en-US" smtClean="0"/>
+              <a:rPr lang="ko-KR" altLang="en-US"/>
               <a:t>마스터 텍스트 스타일을 편집합니다</a:t>
             </a:r>
           </a:p>
           <a:p>
             <a:pPr lvl="1"/>
             <a:r>
-              <a:rPr lang="ko-KR" altLang="en-US" smtClean="0"/>
+              <a:rPr lang="ko-KR" altLang="en-US"/>
               <a:t>둘째 수준</a:t>
             </a:r>
           </a:p>
           <a:p>
             <a:pPr lvl="2"/>
             <a:r>
-              <a:rPr lang="ko-KR" altLang="en-US" smtClean="0"/>
+              <a:rPr lang="ko-KR" altLang="en-US"/>
               <a:t>셋째 수준</a:t>
             </a:r>
           </a:p>
           <a:p>
             <a:pPr lvl="3"/>
             <a:r>
-              <a:rPr lang="ko-KR" altLang="en-US" smtClean="0"/>
+              <a:rPr lang="ko-KR" altLang="en-US"/>
               <a:t>넷째 수준</a:t>
             </a:r>
           </a:p>
           <a:p>
             <a:pPr lvl="4"/>
             <a:r>
-              <a:rPr lang="ko-KR" altLang="en-US" smtClean="0"/>
+              <a:rPr lang="ko-KR" altLang="en-US"/>
               <a:t>다섯째 수준</a:t>
             </a:r>
-            <a:endParaRPr lang="ko-KR" altLang="en-US"/>
           </a:p>
         </p:txBody>
       </p:sp>
@@ -2985,7 +2964,7 @@
           <p:cNvPr id="4" name="TextBox 3">
             <a:extLst>
               <a:ext uri="{FF2B5EF4-FFF2-40B4-BE49-F238E27FC236}">
-                <a16:creationId xmlns="" xmlns:a16="http://schemas.microsoft.com/office/drawing/2014/main" id="{B6956878-ABEC-AF9A-D2CE-3CA826B6E387}"/>
+                <a16:creationId xmlns:a16="http://schemas.microsoft.com/office/drawing/2014/main" id="{B6956878-ABEC-AF9A-D2CE-3CA826B6E387}"/>
               </a:ext>
             </a:extLst>
           </p:cNvPr>
@@ -3009,7 +2988,7 @@
           <a:lstStyle/>
           <a:p>
             <a:r>
-              <a:rPr lang="en-US" altLang="ko-KR" sz="6600" b="1" spc="-150" dirty="0" smtClean="0">
+              <a:rPr lang="en-US" altLang="ko-KR" sz="6600" b="1" spc="-150" dirty="0">
                 <a:solidFill>
                   <a:schemeClr val="bg1"/>
                 </a:solidFill>
@@ -3020,7 +2999,7 @@
               <a:t>2D </a:t>
             </a:r>
             <a:r>
-              <a:rPr lang="ko-KR" altLang="en-US" sz="6600" b="1" spc="-150" dirty="0" smtClean="0">
+              <a:rPr lang="ko-KR" altLang="en-US" sz="6600" b="1" spc="-150" dirty="0">
                 <a:solidFill>
                   <a:schemeClr val="bg1"/>
                 </a:solidFill>
@@ -3030,7 +3009,7 @@
               </a:rPr>
               <a:t>게임 프로그래밍</a:t>
             </a:r>
-            <a:endParaRPr lang="en-US" altLang="ko-KR" sz="6600" b="1" spc="-150" dirty="0" smtClean="0">
+            <a:endParaRPr lang="en-US" altLang="ko-KR" sz="6600" b="1" spc="-150" dirty="0">
               <a:solidFill>
                 <a:schemeClr val="bg1"/>
               </a:solidFill>
@@ -3041,7 +3020,7 @@
           </a:p>
           <a:p>
             <a:r>
-              <a:rPr lang="en-US" altLang="ko-KR" sz="6600" b="1" spc="-150" dirty="0" smtClean="0">
+              <a:rPr lang="en-US" altLang="ko-KR" sz="6600" b="1" spc="-150" dirty="0">
                 <a:solidFill>
                   <a:schemeClr val="bg1"/>
                 </a:solidFill>
@@ -3052,7 +3031,7 @@
               <a:t>3</a:t>
             </a:r>
             <a:r>
-              <a:rPr lang="ko-KR" altLang="en-US" sz="6600" b="1" spc="-150" dirty="0" smtClean="0">
+              <a:rPr lang="ko-KR" altLang="en-US" sz="6600" b="1" spc="-150" dirty="0">
                 <a:solidFill>
                   <a:schemeClr val="bg1"/>
                 </a:solidFill>
@@ -3060,18 +3039,7 @@
                 <a:ea typeface="나눔고딕 ExtraBold" panose="020D0904000000000000" pitchFamily="50" charset="-127"/>
                 <a:cs typeface="둥근모꼴" panose="020B0500000000000000" pitchFamily="50" charset="-127"/>
               </a:rPr>
-              <a:t>차 </a:t>
-            </a:r>
-            <a:r>
-              <a:rPr lang="ko-KR" altLang="en-US" sz="6600" b="1" spc="-150" dirty="0" smtClean="0">
-                <a:solidFill>
-                  <a:schemeClr val="bg1"/>
-                </a:solidFill>
-                <a:latin typeface="나눔고딕 ExtraBold" panose="020D0904000000000000" pitchFamily="50" charset="-127"/>
-                <a:ea typeface="나눔고딕 ExtraBold" panose="020D0904000000000000" pitchFamily="50" charset="-127"/>
-                <a:cs typeface="둥근모꼴" panose="020B0500000000000000" pitchFamily="50" charset="-127"/>
-              </a:rPr>
-              <a:t>발표</a:t>
+              <a:t>차 발표</a:t>
             </a:r>
             <a:endParaRPr lang="ko-KR" altLang="en-US" sz="6000" spc="-150" dirty="0">
               <a:solidFill>
@@ -3089,7 +3057,7 @@
           <p:cNvPr id="5" name="TextBox 4">
             <a:extLst>
               <a:ext uri="{FF2B5EF4-FFF2-40B4-BE49-F238E27FC236}">
-                <a16:creationId xmlns="" xmlns:a16="http://schemas.microsoft.com/office/drawing/2014/main" id="{B1BEB93D-E860-DD72-63D2-BA2ACD126D65}"/>
+                <a16:creationId xmlns:a16="http://schemas.microsoft.com/office/drawing/2014/main" id="{B1BEB93D-E860-DD72-63D2-BA2ACD126D65}"/>
               </a:ext>
             </a:extLst>
           </p:cNvPr>
@@ -3113,7 +3081,7 @@
           <a:lstStyle/>
           <a:p>
             <a:r>
-              <a:rPr lang="en-US" altLang="ko-KR" sz="2000" dirty="0" smtClean="0">
+              <a:rPr lang="en-US" altLang="ko-KR" sz="2000" dirty="0">
                 <a:solidFill>
                   <a:schemeClr val="bg1"/>
                 </a:solidFill>
@@ -3124,7 +3092,7 @@
               <a:t>2020184015 </a:t>
             </a:r>
             <a:r>
-              <a:rPr lang="ko-KR" altLang="en-US" sz="2000" dirty="0" smtClean="0">
+              <a:rPr lang="ko-KR" altLang="en-US" sz="2000" dirty="0">
                 <a:solidFill>
                   <a:schemeClr val="bg1"/>
                 </a:solidFill>
@@ -3134,14 +3102,6 @@
               </a:rPr>
               <a:t>박가현</a:t>
             </a:r>
-            <a:endParaRPr lang="ko-KR" altLang="en-US" sz="2000" dirty="0">
-              <a:solidFill>
-                <a:schemeClr val="bg1"/>
-              </a:solidFill>
-              <a:latin typeface="나눔고딕 ExtraBold" panose="020D0904000000000000" pitchFamily="50" charset="-127"/>
-              <a:ea typeface="나눔고딕 ExtraBold" panose="020D0904000000000000" pitchFamily="50" charset="-127"/>
-              <a:cs typeface="둥근모꼴" panose="020B0500000000000000" pitchFamily="50" charset="-127"/>
-            </a:endParaRPr>
           </a:p>
         </p:txBody>
       </p:sp>
@@ -3150,7 +3110,7 @@
           <p:cNvPr id="6" name="직선 연결선 5">
             <a:extLst>
               <a:ext uri="{FF2B5EF4-FFF2-40B4-BE49-F238E27FC236}">
-                <a16:creationId xmlns="" xmlns:a16="http://schemas.microsoft.com/office/drawing/2014/main" id="{AA083F78-7EAC-088E-92A6-2CCA7C19FAAA}"/>
+                <a16:creationId xmlns:a16="http://schemas.microsoft.com/office/drawing/2014/main" id="{AA083F78-7EAC-088E-92A6-2CCA7C19FAAA}"/>
               </a:ext>
             </a:extLst>
           </p:cNvPr>
@@ -3248,13 +3208,6 @@
   <p:clrMapOvr>
     <a:masterClrMapping/>
   </p:clrMapOvr>
-  <p:timing>
-    <p:tnLst>
-      <p:par>
-        <p:cTn id="1" dur="indefinite" restart="never" nodeType="tmRoot"/>
-      </p:par>
-    </p:tnLst>
-  </p:timing>
 </p:sld>
 </file>
 
@@ -3288,7 +3241,7 @@
           <p:cNvPr id="4" name="TextBox 3">
             <a:extLst>
               <a:ext uri="{FF2B5EF4-FFF2-40B4-BE49-F238E27FC236}">
-                <a16:creationId xmlns="" xmlns:a16="http://schemas.microsoft.com/office/drawing/2014/main" id="{B6956878-ABEC-AF9A-D2CE-3CA826B6E387}"/>
+                <a16:creationId xmlns:a16="http://schemas.microsoft.com/office/drawing/2014/main" id="{B6956878-ABEC-AF9A-D2CE-3CA826B6E387}"/>
               </a:ext>
             </a:extLst>
           </p:cNvPr>
@@ -3312,7 +3265,7 @@
           <a:lstStyle/>
           <a:p>
             <a:r>
-              <a:rPr lang="ko-KR" altLang="en-US" sz="4000" b="1" spc="-150" dirty="0" smtClean="0">
+              <a:rPr lang="ko-KR" altLang="en-US" sz="4000" b="1" spc="-150" dirty="0">
                 <a:solidFill>
                   <a:schemeClr val="bg1"/>
                 </a:solidFill>
@@ -3336,7 +3289,7 @@
           <p:cNvPr id="6" name="직선 연결선 5">
             <a:extLst>
               <a:ext uri="{FF2B5EF4-FFF2-40B4-BE49-F238E27FC236}">
-                <a16:creationId xmlns="" xmlns:a16="http://schemas.microsoft.com/office/drawing/2014/main" id="{AA083F78-7EAC-088E-92A6-2CCA7C19FAAA}"/>
+                <a16:creationId xmlns:a16="http://schemas.microsoft.com/office/drawing/2014/main" id="{AA083F78-7EAC-088E-92A6-2CCA7C19FAAA}"/>
               </a:ext>
             </a:extLst>
           </p:cNvPr>
@@ -3455,10 +3408,34 @@
                 <a:tableStyleId>{5C22544A-7EE6-4342-B048-85BDC9FD1C3A}</a:tableStyleId>
               </a:tblPr>
               <a:tblGrid>
-                <a:gridCol w="1470035"/>
-                <a:gridCol w="4256190"/>
-                <a:gridCol w="4752721"/>
-                <a:gridCol w="973504"/>
+                <a:gridCol w="1470035">
+                  <a:extLst>
+                    <a:ext uri="{9D8B030D-6E8A-4147-A177-3AD203B41FA5}">
+                      <a16:colId xmlns:a16="http://schemas.microsoft.com/office/drawing/2014/main" val="20000"/>
+                    </a:ext>
+                  </a:extLst>
+                </a:gridCol>
+                <a:gridCol w="4256190">
+                  <a:extLst>
+                    <a:ext uri="{9D8B030D-6E8A-4147-A177-3AD203B41FA5}">
+                      <a16:colId xmlns:a16="http://schemas.microsoft.com/office/drawing/2014/main" val="20001"/>
+                    </a:ext>
+                  </a:extLst>
+                </a:gridCol>
+                <a:gridCol w="4752721">
+                  <a:extLst>
+                    <a:ext uri="{9D8B030D-6E8A-4147-A177-3AD203B41FA5}">
+                      <a16:colId xmlns:a16="http://schemas.microsoft.com/office/drawing/2014/main" val="20002"/>
+                    </a:ext>
+                  </a:extLst>
+                </a:gridCol>
+                <a:gridCol w="973504">
+                  <a:extLst>
+                    <a:ext uri="{9D8B030D-6E8A-4147-A177-3AD203B41FA5}">
+                      <a16:colId xmlns:a16="http://schemas.microsoft.com/office/drawing/2014/main" val="20003"/>
+                    </a:ext>
+                  </a:extLst>
+                </a:gridCol>
               </a:tblGrid>
               <a:tr h="340079">
                 <a:tc>
@@ -3468,7 +3445,7 @@
                     <a:p>
                       <a:pPr algn="ctr" latinLnBrk="1"/>
                       <a:r>
-                        <a:rPr lang="ko-KR" altLang="en-US" sz="1800" dirty="0" smtClean="0">
+                        <a:rPr lang="ko-KR" altLang="en-US" sz="1800" dirty="0">
                           <a:solidFill>
                             <a:sysClr val="windowText" lastClr="000000"/>
                           </a:solidFill>
@@ -3477,13 +3454,6 @@
                         </a:rPr>
                         <a:t>내용</a:t>
                       </a:r>
-                      <a:endParaRPr lang="ko-KR" altLang="en-US" sz="1800" dirty="0">
-                        <a:solidFill>
-                          <a:sysClr val="windowText" lastClr="000000"/>
-                        </a:solidFill>
-                        <a:latin typeface="나눔고딕 ExtraBold" panose="020D0904000000000000" pitchFamily="50" charset="-127"/>
-                        <a:ea typeface="나눔고딕 ExtraBold" panose="020D0904000000000000" pitchFamily="50" charset="-127"/>
-                      </a:endParaRPr>
                     </a:p>
                   </a:txBody>
                   <a:tcPr anchor="ctr">
@@ -3535,7 +3505,7 @@
                     <a:p>
                       <a:pPr algn="ctr" latinLnBrk="1"/>
                       <a:r>
-                        <a:rPr lang="ko-KR" altLang="en-US" sz="1800" dirty="0" smtClean="0">
+                        <a:rPr lang="ko-KR" altLang="en-US" sz="1800" dirty="0">
                           <a:solidFill>
                             <a:sysClr val="windowText" lastClr="000000"/>
                           </a:solidFill>
@@ -3544,13 +3514,6 @@
                         </a:rPr>
                         <a:t>목표 범위</a:t>
                       </a:r>
-                      <a:endParaRPr lang="ko-KR" altLang="en-US" sz="1800" dirty="0">
-                        <a:solidFill>
-                          <a:sysClr val="windowText" lastClr="000000"/>
-                        </a:solidFill>
-                        <a:latin typeface="나눔고딕 ExtraBold" panose="020D0904000000000000" pitchFamily="50" charset="-127"/>
-                        <a:ea typeface="나눔고딕 ExtraBold" panose="020D0904000000000000" pitchFamily="50" charset="-127"/>
-                      </a:endParaRPr>
                     </a:p>
                   </a:txBody>
                   <a:tcPr anchor="ctr">
@@ -3602,7 +3565,7 @@
                     <a:p>
                       <a:pPr algn="ctr" latinLnBrk="1"/>
                       <a:r>
-                        <a:rPr lang="ko-KR" altLang="en-US" sz="1800" dirty="0" smtClean="0">
+                        <a:rPr lang="ko-KR" altLang="en-US" sz="1800" dirty="0">
                           <a:solidFill>
                             <a:sysClr val="windowText" lastClr="000000"/>
                           </a:solidFill>
@@ -3611,13 +3574,6 @@
                         </a:rPr>
                         <a:t>실제 개발 완료 범위</a:t>
                       </a:r>
-                      <a:endParaRPr lang="ko-KR" altLang="en-US" sz="1800" dirty="0">
-                        <a:solidFill>
-                          <a:sysClr val="windowText" lastClr="000000"/>
-                        </a:solidFill>
-                        <a:latin typeface="나눔고딕 ExtraBold" panose="020D0904000000000000" pitchFamily="50" charset="-127"/>
-                        <a:ea typeface="나눔고딕 ExtraBold" panose="020D0904000000000000" pitchFamily="50" charset="-127"/>
-                      </a:endParaRPr>
                     </a:p>
                   </a:txBody>
                   <a:tcPr anchor="ctr">
@@ -3669,7 +3625,7 @@
                     <a:p>
                       <a:pPr algn="ctr" latinLnBrk="1"/>
                       <a:r>
-                        <a:rPr lang="ko-KR" altLang="en-US" sz="1800" dirty="0" smtClean="0">
+                        <a:rPr lang="ko-KR" altLang="en-US" sz="1800" dirty="0">
                           <a:solidFill>
                             <a:sysClr val="windowText" lastClr="000000"/>
                           </a:solidFill>
@@ -3678,13 +3634,6 @@
                         </a:rPr>
                         <a:t>진척도</a:t>
                       </a:r>
-                      <a:endParaRPr lang="ko-KR" altLang="en-US" sz="1800" dirty="0">
-                        <a:solidFill>
-                          <a:sysClr val="windowText" lastClr="000000"/>
-                        </a:solidFill>
-                        <a:latin typeface="나눔고딕 ExtraBold" panose="020D0904000000000000" pitchFamily="50" charset="-127"/>
-                        <a:ea typeface="나눔고딕 ExtraBold" panose="020D0904000000000000" pitchFamily="50" charset="-127"/>
-                      </a:endParaRPr>
                     </a:p>
                   </a:txBody>
                   <a:tcPr anchor="ctr">
@@ -3729,6 +3678,11 @@
                     </a:solidFill>
                   </a:tcPr>
                 </a:tc>
+                <a:extLst>
+                  <a:ext uri="{0D108BD9-81ED-4DB2-BD59-A6C34878D82A}">
+                    <a16:rowId xmlns:a16="http://schemas.microsoft.com/office/drawing/2014/main" val="10000"/>
+                  </a:ext>
+                </a:extLst>
               </a:tr>
               <a:tr h="677014">
                 <a:tc>
@@ -3738,16 +3692,12 @@
                     <a:p>
                       <a:pPr algn="ctr" latinLnBrk="1"/>
                       <a:r>
-                        <a:rPr lang="ko-KR" altLang="en-US" sz="1600" dirty="0" smtClean="0">
+                        <a:rPr lang="ko-KR" altLang="en-US" sz="1600" dirty="0">
                           <a:latin typeface="나눔고딕 ExtraBold" panose="020D0904000000000000" pitchFamily="50" charset="-127"/>
                           <a:ea typeface="나눔고딕 ExtraBold" panose="020D0904000000000000" pitchFamily="50" charset="-127"/>
                         </a:rPr>
                         <a:t>게임 기능</a:t>
                       </a:r>
-                      <a:endParaRPr lang="ko-KR" altLang="en-US" sz="1600" dirty="0">
-                        <a:latin typeface="나눔고딕 ExtraBold" panose="020D0904000000000000" pitchFamily="50" charset="-127"/>
-                        <a:ea typeface="나눔고딕 ExtraBold" panose="020D0904000000000000" pitchFamily="50" charset="-127"/>
-                      </a:endParaRPr>
                     </a:p>
                   </a:txBody>
                   <a:tcPr anchor="ctr">
@@ -3804,13 +3754,13 @@
                         <a:buChar char="-"/>
                       </a:pPr>
                       <a:r>
-                        <a:rPr lang="ko-KR" altLang="en-US" sz="1200" dirty="0" smtClean="0">
+                        <a:rPr lang="ko-KR" altLang="en-US" sz="1200" dirty="0">
                           <a:latin typeface="나눔고딕 ExtraBold" panose="020D0904000000000000" pitchFamily="50" charset="-127"/>
                           <a:ea typeface="나눔고딕 ExtraBold" panose="020D0904000000000000" pitchFamily="50" charset="-127"/>
                         </a:rPr>
                         <a:t>공격과 수비 모드의 플레이 차이</a:t>
                       </a:r>
-                      <a:endParaRPr lang="en-US" altLang="ko-KR" sz="1200" dirty="0" smtClean="0">
+                      <a:endParaRPr lang="en-US" altLang="ko-KR" sz="1200" dirty="0">
                         <a:latin typeface="나눔고딕 ExtraBold" panose="020D0904000000000000" pitchFamily="50" charset="-127"/>
                         <a:ea typeface="나눔고딕 ExtraBold" panose="020D0904000000000000" pitchFamily="50" charset="-127"/>
                       </a:endParaRPr>
@@ -3821,13 +3771,13 @@
                         <a:buChar char="-"/>
                       </a:pPr>
                       <a:r>
-                        <a:rPr lang="ko-KR" altLang="en-US" sz="1200" dirty="0" smtClean="0">
+                        <a:rPr lang="ko-KR" altLang="en-US" sz="1200" dirty="0">
                           <a:latin typeface="나눔고딕 ExtraBold" panose="020D0904000000000000" pitchFamily="50" charset="-127"/>
                           <a:ea typeface="나눔고딕 ExtraBold" panose="020D0904000000000000" pitchFamily="50" charset="-127"/>
                         </a:rPr>
                         <a:t>수비수의 자동 수비</a:t>
                       </a:r>
-                      <a:endParaRPr lang="en-US" altLang="ko-KR" sz="1200" dirty="0" smtClean="0">
+                      <a:endParaRPr lang="en-US" altLang="ko-KR" sz="1200" dirty="0">
                         <a:latin typeface="나눔고딕 ExtraBold" panose="020D0904000000000000" pitchFamily="50" charset="-127"/>
                         <a:ea typeface="나눔고딕 ExtraBold" panose="020D0904000000000000" pitchFamily="50" charset="-127"/>
                       </a:endParaRPr>
@@ -3838,27 +3788,27 @@
                         <a:buChar char="-"/>
                       </a:pPr>
                       <a:r>
-                        <a:rPr lang="ko-KR" altLang="en-US" sz="1200" dirty="0" smtClean="0">
+                        <a:rPr lang="ko-KR" altLang="en-US" sz="1200" dirty="0">
                           <a:latin typeface="나눔고딕 ExtraBold" panose="020D0904000000000000" pitchFamily="50" charset="-127"/>
                           <a:ea typeface="나눔고딕 ExtraBold" panose="020D0904000000000000" pitchFamily="50" charset="-127"/>
                         </a:rPr>
                         <a:t>달리기 속도를 높이는 </a:t>
                       </a:r>
                       <a:r>
-                        <a:rPr lang="en-US" altLang="ko-KR" sz="1200" dirty="0" smtClean="0">
+                        <a:rPr lang="en-US" altLang="ko-KR" sz="1200" dirty="0">
                           <a:latin typeface="나눔고딕 ExtraBold" panose="020D0904000000000000" pitchFamily="50" charset="-127"/>
                           <a:ea typeface="나눔고딕 ExtraBold" panose="020D0904000000000000" pitchFamily="50" charset="-127"/>
                         </a:rPr>
                         <a:t>Run </a:t>
                       </a:r>
                       <a:r>
-                        <a:rPr lang="ko-KR" altLang="en-US" sz="1200" dirty="0" smtClean="0">
+                        <a:rPr lang="ko-KR" altLang="en-US" sz="1200" dirty="0">
                           <a:latin typeface="나눔고딕 ExtraBold" panose="020D0904000000000000" pitchFamily="50" charset="-127"/>
                           <a:ea typeface="나눔고딕 ExtraBold" panose="020D0904000000000000" pitchFamily="50" charset="-127"/>
                         </a:rPr>
                         <a:t>버튼 제작</a:t>
                       </a:r>
-                      <a:endParaRPr lang="en-US" altLang="ko-KR" sz="1200" dirty="0" smtClean="0">
+                      <a:endParaRPr lang="en-US" altLang="ko-KR" sz="1200" dirty="0">
                         <a:latin typeface="나눔고딕 ExtraBold" panose="020D0904000000000000" pitchFamily="50" charset="-127"/>
                         <a:ea typeface="나눔고딕 ExtraBold" panose="020D0904000000000000" pitchFamily="50" charset="-127"/>
                       </a:endParaRPr>
@@ -3915,21 +3865,21 @@
                     <a:p>
                       <a:pPr algn="ctr" latinLnBrk="1"/>
                       <a:r>
-                        <a:rPr lang="en-US" altLang="ko-KR" sz="1200" dirty="0" smtClean="0">
+                        <a:rPr lang="en-US" altLang="ko-KR" sz="1200" dirty="0">
                           <a:latin typeface="나눔고딕 ExtraBold" panose="020D0904000000000000" pitchFamily="50" charset="-127"/>
                           <a:ea typeface="나눔고딕 ExtraBold" panose="020D0904000000000000" pitchFamily="50" charset="-127"/>
                         </a:rPr>
                         <a:t>Run</a:t>
                       </a:r>
                       <a:r>
-                        <a:rPr lang="en-US" altLang="ko-KR" sz="1200" baseline="0" dirty="0" smtClean="0">
+                        <a:rPr lang="en-US" altLang="ko-KR" sz="1200" baseline="0" dirty="0">
                           <a:latin typeface="나눔고딕 ExtraBold" panose="020D0904000000000000" pitchFamily="50" charset="-127"/>
                           <a:ea typeface="나눔고딕 ExtraBold" panose="020D0904000000000000" pitchFamily="50" charset="-127"/>
                         </a:rPr>
                         <a:t> </a:t>
                       </a:r>
                       <a:r>
-                        <a:rPr lang="ko-KR" altLang="en-US" sz="1200" baseline="0" dirty="0" smtClean="0">
+                        <a:rPr lang="ko-KR" altLang="en-US" sz="1200" baseline="0" dirty="0">
                           <a:latin typeface="나눔고딕 ExtraBold" panose="020D0904000000000000" pitchFamily="50" charset="-127"/>
                           <a:ea typeface="나눔고딕 ExtraBold" panose="020D0904000000000000" pitchFamily="50" charset="-127"/>
                         </a:rPr>
@@ -3992,7 +3942,7 @@
                     <a:p>
                       <a:pPr algn="ctr" latinLnBrk="1"/>
                       <a:r>
-                        <a:rPr lang="en-US" altLang="ko-KR" sz="1600" dirty="0" smtClean="0">
+                        <a:rPr lang="en-US" altLang="ko-KR" sz="1600" dirty="0">
                           <a:latin typeface="나눔고딕 ExtraBold" panose="020D0904000000000000" pitchFamily="50" charset="-127"/>
                           <a:ea typeface="나눔고딕 ExtraBold" panose="020D0904000000000000" pitchFamily="50" charset="-127"/>
                         </a:rPr>
@@ -4048,6 +3998,11 @@
                     </a:solidFill>
                   </a:tcPr>
                 </a:tc>
+                <a:extLst>
+                  <a:ext uri="{0D108BD9-81ED-4DB2-BD59-A6C34878D82A}">
+                    <a16:rowId xmlns:a16="http://schemas.microsoft.com/office/drawing/2014/main" val="10001"/>
+                  </a:ext>
+                </a:extLst>
               </a:tr>
               <a:tr h="677014">
                 <a:tc>
@@ -4057,14 +4012,14 @@
                     <a:p>
                       <a:pPr algn="ctr" latinLnBrk="1"/>
                       <a:r>
-                        <a:rPr lang="ko-KR" altLang="en-US" sz="1600" dirty="0" smtClean="0">
+                        <a:rPr lang="ko-KR" altLang="en-US" sz="1600" dirty="0">
                           <a:latin typeface="나눔고딕 ExtraBold" panose="020D0904000000000000" pitchFamily="50" charset="-127"/>
                           <a:ea typeface="나눔고딕 ExtraBold" panose="020D0904000000000000" pitchFamily="50" charset="-127"/>
                         </a:rPr>
                         <a:t>게임 </a:t>
                       </a:r>
                       <a:r>
-                        <a:rPr lang="ko-KR" altLang="en-US" sz="1600" dirty="0" err="1" smtClean="0">
+                        <a:rPr lang="ko-KR" altLang="en-US" sz="1600" dirty="0" err="1">
                           <a:latin typeface="나눔고딕 ExtraBold" panose="020D0904000000000000" pitchFamily="50" charset="-127"/>
                           <a:ea typeface="나눔고딕 ExtraBold" panose="020D0904000000000000" pitchFamily="50" charset="-127"/>
                         </a:rPr>
@@ -4130,13 +4085,13 @@
                         <a:buChar char="-"/>
                       </a:pPr>
                       <a:r>
-                        <a:rPr lang="ko-KR" altLang="en-US" sz="1200" dirty="0" smtClean="0">
+                        <a:rPr lang="ko-KR" altLang="en-US" sz="1200" dirty="0">
                           <a:latin typeface="나눔고딕 ExtraBold" panose="020D0904000000000000" pitchFamily="50" charset="-127"/>
                           <a:ea typeface="나눔고딕 ExtraBold" panose="020D0904000000000000" pitchFamily="50" charset="-127"/>
                         </a:rPr>
                         <a:t>로비 모드 제작해 직접 팀 결정</a:t>
                       </a:r>
-                      <a:endParaRPr lang="en-US" altLang="ko-KR" sz="1200" dirty="0" smtClean="0">
+                      <a:endParaRPr lang="en-US" altLang="ko-KR" sz="1200" dirty="0">
                         <a:latin typeface="나눔고딕 ExtraBold" panose="020D0904000000000000" pitchFamily="50" charset="-127"/>
                         <a:ea typeface="나눔고딕 ExtraBold" panose="020D0904000000000000" pitchFamily="50" charset="-127"/>
                       </a:endParaRPr>
@@ -4147,13 +4102,13 @@
                         <a:buChar char="-"/>
                       </a:pPr>
                       <a:r>
-                        <a:rPr lang="ko-KR" altLang="en-US" sz="1200" dirty="0" smtClean="0">
+                        <a:rPr lang="ko-KR" altLang="en-US" sz="1200" dirty="0">
                           <a:latin typeface="나눔고딕 ExtraBold" panose="020D0904000000000000" pitchFamily="50" charset="-127"/>
                           <a:ea typeface="나눔고딕 ExtraBold" panose="020D0904000000000000" pitchFamily="50" charset="-127"/>
                         </a:rPr>
                         <a:t>자동 경기</a:t>
                       </a:r>
-                      <a:endParaRPr lang="en-US" altLang="ko-KR" sz="1200" dirty="0" smtClean="0">
+                      <a:endParaRPr lang="en-US" altLang="ko-KR" sz="1200" dirty="0">
                         <a:latin typeface="나눔고딕 ExtraBold" panose="020D0904000000000000" pitchFamily="50" charset="-127"/>
                         <a:ea typeface="나눔고딕 ExtraBold" panose="020D0904000000000000" pitchFamily="50" charset="-127"/>
                       </a:endParaRPr>
@@ -4164,16 +4119,12 @@
                         <a:buChar char="-"/>
                       </a:pPr>
                       <a:r>
-                        <a:rPr lang="ko-KR" altLang="en-US" sz="1200" dirty="0" smtClean="0">
+                        <a:rPr lang="ko-KR" altLang="en-US" sz="1200" dirty="0">
                           <a:latin typeface="나눔고딕 ExtraBold" panose="020D0904000000000000" pitchFamily="50" charset="-127"/>
                           <a:ea typeface="나눔고딕 ExtraBold" panose="020D0904000000000000" pitchFamily="50" charset="-127"/>
                         </a:rPr>
                         <a:t>결과 모드 제작해 결과 확인</a:t>
                       </a:r>
-                      <a:endParaRPr lang="ko-KR" altLang="en-US" sz="1200" dirty="0">
-                        <a:latin typeface="나눔고딕 ExtraBold" panose="020D0904000000000000" pitchFamily="50" charset="-127"/>
-                        <a:ea typeface="나눔고딕 ExtraBold" panose="020D0904000000000000" pitchFamily="50" charset="-127"/>
-                      </a:endParaRPr>
                     </a:p>
                   </a:txBody>
                   <a:tcPr anchor="ctr">
@@ -4227,23 +4178,19 @@
                     <a:p>
                       <a:pPr algn="ctr" latinLnBrk="1"/>
                       <a:r>
-                        <a:rPr lang="en-US" altLang="ko-KR" sz="1200" dirty="0" smtClean="0">
+                        <a:rPr lang="en-US" altLang="ko-KR" sz="1200" dirty="0">
                           <a:latin typeface="나눔고딕 ExtraBold" panose="020D0904000000000000" pitchFamily="50" charset="-127"/>
                           <a:ea typeface="나눔고딕 ExtraBold" panose="020D0904000000000000" pitchFamily="50" charset="-127"/>
                         </a:rPr>
                         <a:t>- </a:t>
                       </a:r>
                       <a:r>
-                        <a:rPr lang="ko-KR" altLang="en-US" sz="1200" dirty="0" smtClean="0">
+                        <a:rPr lang="ko-KR" altLang="en-US" sz="1200" dirty="0">
                           <a:latin typeface="나눔고딕 ExtraBold" panose="020D0904000000000000" pitchFamily="50" charset="-127"/>
                           <a:ea typeface="나눔고딕 ExtraBold" panose="020D0904000000000000" pitchFamily="50" charset="-127"/>
                         </a:rPr>
                         <a:t>자동 경기가 아닌 필요 시 중간에 경기 결과 내는 것으로 변경</a:t>
                       </a:r>
-                      <a:endParaRPr lang="ko-KR" altLang="en-US" sz="1200" dirty="0">
-                        <a:latin typeface="나눔고딕 ExtraBold" panose="020D0904000000000000" pitchFamily="50" charset="-127"/>
-                        <a:ea typeface="나눔고딕 ExtraBold" panose="020D0904000000000000" pitchFamily="50" charset="-127"/>
-                      </a:endParaRPr>
                     </a:p>
                   </a:txBody>
                   <a:tcPr anchor="ctr">
@@ -4297,7 +4244,7 @@
                     <a:p>
                       <a:pPr algn="ctr" latinLnBrk="1"/>
                       <a:r>
-                        <a:rPr lang="en-US" altLang="ko-KR" sz="1600" dirty="0" smtClean="0">
+                        <a:rPr lang="en-US" altLang="ko-KR" sz="1600" dirty="0">
                           <a:latin typeface="나눔고딕 ExtraBold" panose="020D0904000000000000" pitchFamily="50" charset="-127"/>
                           <a:ea typeface="나눔고딕 ExtraBold" panose="020D0904000000000000" pitchFamily="50" charset="-127"/>
                         </a:rPr>
@@ -4353,6 +4300,11 @@
                     </a:solidFill>
                   </a:tcPr>
                 </a:tc>
+                <a:extLst>
+                  <a:ext uri="{0D108BD9-81ED-4DB2-BD59-A6C34878D82A}">
+                    <a16:rowId xmlns:a16="http://schemas.microsoft.com/office/drawing/2014/main" val="10002"/>
+                  </a:ext>
+                </a:extLst>
               </a:tr>
               <a:tr h="669862">
                 <a:tc>
@@ -4362,16 +4314,12 @@
                     <a:p>
                       <a:pPr algn="ctr" latinLnBrk="1"/>
                       <a:r>
-                        <a:rPr lang="ko-KR" altLang="en-US" sz="1600" dirty="0" smtClean="0">
+                        <a:rPr lang="ko-KR" altLang="en-US" sz="1600" dirty="0">
                           <a:latin typeface="나눔고딕 ExtraBold" panose="020D0904000000000000" pitchFamily="50" charset="-127"/>
                           <a:ea typeface="나눔고딕 ExtraBold" panose="020D0904000000000000" pitchFamily="50" charset="-127"/>
                         </a:rPr>
                         <a:t>화면</a:t>
                       </a:r>
-                      <a:endParaRPr lang="ko-KR" altLang="en-US" sz="1600" dirty="0">
-                        <a:latin typeface="나눔고딕 ExtraBold" panose="020D0904000000000000" pitchFamily="50" charset="-127"/>
-                        <a:ea typeface="나눔고딕 ExtraBold" panose="020D0904000000000000" pitchFamily="50" charset="-127"/>
-                      </a:endParaRPr>
                     </a:p>
                   </a:txBody>
                   <a:tcPr anchor="ctr">
@@ -4428,13 +4376,13 @@
                         <a:buChar char="-"/>
                       </a:pPr>
                       <a:r>
-                        <a:rPr lang="ko-KR" altLang="en-US" sz="1200" baseline="0" dirty="0" smtClean="0">
+                        <a:rPr lang="ko-KR" altLang="en-US" sz="1200" baseline="0" dirty="0">
                           <a:latin typeface="나눔고딕 ExtraBold" panose="020D0904000000000000" pitchFamily="50" charset="-127"/>
                           <a:ea typeface="나눔고딕 ExtraBold" panose="020D0904000000000000" pitchFamily="50" charset="-127"/>
                         </a:rPr>
                         <a:t>   볼을 따라서 화면 이동</a:t>
                       </a:r>
-                      <a:endParaRPr lang="en-US" altLang="ko-KR" sz="1200" baseline="0" dirty="0" smtClean="0">
+                      <a:endParaRPr lang="en-US" altLang="ko-KR" sz="1200" baseline="0" dirty="0">
                         <a:latin typeface="나눔고딕 ExtraBold" panose="020D0904000000000000" pitchFamily="50" charset="-127"/>
                         <a:ea typeface="나눔고딕 ExtraBold" panose="020D0904000000000000" pitchFamily="50" charset="-127"/>
                       </a:endParaRPr>
@@ -4491,16 +4439,12 @@
                     <a:p>
                       <a:pPr algn="ctr" latinLnBrk="1"/>
                       <a:r>
-                        <a:rPr lang="ko-KR" altLang="en-US" sz="1200" dirty="0" smtClean="0">
+                        <a:rPr lang="ko-KR" altLang="en-US" sz="1200" dirty="0">
                           <a:latin typeface="나눔고딕 ExtraBold" panose="020D0904000000000000" pitchFamily="50" charset="-127"/>
                           <a:ea typeface="나눔고딕 ExtraBold" panose="020D0904000000000000" pitchFamily="50" charset="-127"/>
                         </a:rPr>
                         <a:t>구현</a:t>
                       </a:r>
-                      <a:endParaRPr lang="ko-KR" altLang="en-US" sz="1200" dirty="0">
-                        <a:latin typeface="나눔고딕 ExtraBold" panose="020D0904000000000000" pitchFamily="50" charset="-127"/>
-                        <a:ea typeface="나눔고딕 ExtraBold" panose="020D0904000000000000" pitchFamily="50" charset="-127"/>
-                      </a:endParaRPr>
                     </a:p>
                   </a:txBody>
                   <a:tcPr anchor="ctr">
@@ -4554,7 +4498,7 @@
                     <a:p>
                       <a:pPr algn="ctr" latinLnBrk="1"/>
                       <a:r>
-                        <a:rPr lang="en-US" altLang="ko-KR" sz="1600" dirty="0" smtClean="0">
+                        <a:rPr lang="en-US" altLang="ko-KR" sz="1600" dirty="0">
                           <a:latin typeface="나눔고딕 ExtraBold" panose="020D0904000000000000" pitchFamily="50" charset="-127"/>
                           <a:ea typeface="나눔고딕 ExtraBold" panose="020D0904000000000000" pitchFamily="50" charset="-127"/>
                         </a:rPr>
@@ -4610,6 +4554,11 @@
                     </a:solidFill>
                   </a:tcPr>
                 </a:tc>
+                <a:extLst>
+                  <a:ext uri="{0D108BD9-81ED-4DB2-BD59-A6C34878D82A}">
+                    <a16:rowId xmlns:a16="http://schemas.microsoft.com/office/drawing/2014/main" val="10003"/>
+                  </a:ext>
+                </a:extLst>
               </a:tr>
               <a:tr h="1071939">
                 <a:tc>
@@ -4619,16 +4568,12 @@
                     <a:p>
                       <a:pPr algn="ctr" latinLnBrk="1"/>
                       <a:r>
-                        <a:rPr lang="ko-KR" altLang="en-US" sz="1600" dirty="0" smtClean="0">
+                        <a:rPr lang="ko-KR" altLang="en-US" sz="1600" dirty="0">
                           <a:latin typeface="나눔고딕 ExtraBold" panose="020D0904000000000000" pitchFamily="50" charset="-127"/>
                           <a:ea typeface="나눔고딕 ExtraBold" panose="020D0904000000000000" pitchFamily="50" charset="-127"/>
                         </a:rPr>
                         <a:t>캐릭터 기능</a:t>
                       </a:r>
-                      <a:endParaRPr lang="ko-KR" altLang="en-US" sz="1600" dirty="0">
-                        <a:latin typeface="나눔고딕 ExtraBold" panose="020D0904000000000000" pitchFamily="50" charset="-127"/>
-                        <a:ea typeface="나눔고딕 ExtraBold" panose="020D0904000000000000" pitchFamily="50" charset="-127"/>
-                      </a:endParaRPr>
                     </a:p>
                   </a:txBody>
                   <a:tcPr anchor="ctr">
@@ -4685,34 +4630,34 @@
                         <a:buChar char="-"/>
                       </a:pPr>
                       <a:r>
-                        <a:rPr lang="ko-KR" altLang="en-US" sz="1200" dirty="0" smtClean="0">
+                        <a:rPr lang="ko-KR" altLang="en-US" sz="1200" dirty="0">
                           <a:latin typeface="나눔고딕 ExtraBold" panose="020D0904000000000000" pitchFamily="50" charset="-127"/>
                           <a:ea typeface="나눔고딕 ExtraBold" panose="020D0904000000000000" pitchFamily="50" charset="-127"/>
                         </a:rPr>
                         <a:t>스페이스 바 입력 시 </a:t>
                       </a:r>
                       <a:r>
-                        <a:rPr lang="en-US" altLang="ko-KR" sz="1200" dirty="0" smtClean="0">
+                        <a:rPr lang="en-US" altLang="ko-KR" sz="1200" dirty="0">
                           <a:latin typeface="나눔고딕 ExtraBold" panose="020D0904000000000000" pitchFamily="50" charset="-127"/>
                           <a:ea typeface="나눔고딕 ExtraBold" panose="020D0904000000000000" pitchFamily="50" charset="-127"/>
                         </a:rPr>
                         <a:t>Hi</a:t>
                       </a:r>
                       <a:r>
-                        <a:rPr lang="en-US" altLang="ko-KR" sz="1200" baseline="0" dirty="0" smtClean="0">
+                        <a:rPr lang="en-US" altLang="ko-KR" sz="1200" baseline="0" dirty="0">
                           <a:latin typeface="나눔고딕 ExtraBold" panose="020D0904000000000000" pitchFamily="50" charset="-127"/>
                           <a:ea typeface="나눔고딕 ExtraBold" panose="020D0904000000000000" pitchFamily="50" charset="-127"/>
                         </a:rPr>
                         <a:t>t </a:t>
                       </a:r>
                       <a:r>
-                        <a:rPr lang="ko-KR" altLang="en-US" sz="1200" baseline="0" dirty="0" smtClean="0">
+                        <a:rPr lang="ko-KR" altLang="en-US" sz="1200" baseline="0" dirty="0">
                           <a:latin typeface="나눔고딕 ExtraBold" panose="020D0904000000000000" pitchFamily="50" charset="-127"/>
                           <a:ea typeface="나눔고딕 ExtraBold" panose="020D0904000000000000" pitchFamily="50" charset="-127"/>
                         </a:rPr>
                         <a:t>여부를 여러 값을 더한 후 랜덤 값으로 결정</a:t>
                       </a:r>
-                      <a:endParaRPr lang="en-US" altLang="ko-KR" sz="1200" baseline="0" dirty="0" smtClean="0">
+                      <a:endParaRPr lang="en-US" altLang="ko-KR" sz="1200" baseline="0" dirty="0">
                         <a:latin typeface="나눔고딕 ExtraBold" panose="020D0904000000000000" pitchFamily="50" charset="-127"/>
                         <a:ea typeface="나눔고딕 ExtraBold" panose="020D0904000000000000" pitchFamily="50" charset="-127"/>
                       </a:endParaRPr>
@@ -4723,13 +4668,13 @@
                         <a:buChar char="-"/>
                       </a:pPr>
                       <a:r>
-                        <a:rPr lang="ko-KR" altLang="en-US" sz="1200" dirty="0" smtClean="0">
+                        <a:rPr lang="ko-KR" altLang="en-US" sz="1200" dirty="0">
                           <a:latin typeface="나눔고딕 ExtraBold" panose="020D0904000000000000" pitchFamily="50" charset="-127"/>
                           <a:ea typeface="나눔고딕 ExtraBold" panose="020D0904000000000000" pitchFamily="50" charset="-127"/>
                         </a:rPr>
                         <a:t>투수의 투구 법 직접 결정해 투구 폼 다르게 구현</a:t>
                       </a:r>
-                      <a:endParaRPr lang="en-US" altLang="ko-KR" sz="1200" dirty="0" smtClean="0">
+                      <a:endParaRPr lang="en-US" altLang="ko-KR" sz="1200" dirty="0">
                         <a:latin typeface="나눔고딕 ExtraBold" panose="020D0904000000000000" pitchFamily="50" charset="-127"/>
                         <a:ea typeface="나눔고딕 ExtraBold" panose="020D0904000000000000" pitchFamily="50" charset="-127"/>
                       </a:endParaRPr>
@@ -4740,16 +4685,12 @@
                         <a:buChar char="-"/>
                       </a:pPr>
                       <a:r>
-                        <a:rPr lang="ko-KR" altLang="en-US" sz="1200" dirty="0" smtClean="0">
+                        <a:rPr lang="ko-KR" altLang="en-US" sz="1200" dirty="0">
                           <a:latin typeface="나눔고딕 ExtraBold" panose="020D0904000000000000" pitchFamily="50" charset="-127"/>
                           <a:ea typeface="나눔고딕 ExtraBold" panose="020D0904000000000000" pitchFamily="50" charset="-127"/>
                         </a:rPr>
                         <a:t>공과 가까운 곳의 수비수들만 이동해 공을 가까운 주자가 있는 베이스로 던짐</a:t>
                       </a:r>
-                      <a:endParaRPr lang="ko-KR" altLang="en-US" sz="1200" dirty="0">
-                        <a:latin typeface="나눔고딕 ExtraBold" panose="020D0904000000000000" pitchFamily="50" charset="-127"/>
-                        <a:ea typeface="나눔고딕 ExtraBold" panose="020D0904000000000000" pitchFamily="50" charset="-127"/>
-                      </a:endParaRPr>
                     </a:p>
                   </a:txBody>
                   <a:tcPr anchor="ctr">
@@ -4803,28 +4744,28 @@
                     <a:p>
                       <a:pPr algn="ctr" latinLnBrk="1"/>
                       <a:r>
-                        <a:rPr lang="ko-KR" altLang="en-US" sz="1200" dirty="0" smtClean="0">
+                        <a:rPr lang="ko-KR" altLang="en-US" sz="1200" dirty="0">
                           <a:latin typeface="나눔고딕 ExtraBold" panose="020D0904000000000000" pitchFamily="50" charset="-127"/>
                           <a:ea typeface="나눔고딕 ExtraBold" panose="020D0904000000000000" pitchFamily="50" charset="-127"/>
                         </a:rPr>
                         <a:t>투구 법이 아닌 </a:t>
                       </a:r>
                       <a:r>
-                        <a:rPr lang="en-US" altLang="ko-KR" sz="1200" dirty="0" smtClean="0">
+                        <a:rPr lang="en-US" altLang="ko-KR" sz="1200" dirty="0">
                           <a:latin typeface="나눔고딕 ExtraBold" panose="020D0904000000000000" pitchFamily="50" charset="-127"/>
                           <a:ea typeface="나눔고딕 ExtraBold" panose="020D0904000000000000" pitchFamily="50" charset="-127"/>
                         </a:rPr>
                         <a:t>strike, ball</a:t>
                       </a:r>
                       <a:r>
-                        <a:rPr lang="en-US" altLang="ko-KR" sz="1200" baseline="0" dirty="0" smtClean="0">
+                        <a:rPr lang="en-US" altLang="ko-KR" sz="1200" baseline="0" dirty="0">
                           <a:latin typeface="나눔고딕 ExtraBold" panose="020D0904000000000000" pitchFamily="50" charset="-127"/>
                           <a:ea typeface="나눔고딕 ExtraBold" panose="020D0904000000000000" pitchFamily="50" charset="-127"/>
                         </a:rPr>
                         <a:t> </a:t>
                       </a:r>
                       <a:r>
-                        <a:rPr lang="ko-KR" altLang="en-US" sz="1200" baseline="0" dirty="0" smtClean="0">
+                        <a:rPr lang="ko-KR" altLang="en-US" sz="1200" baseline="0" dirty="0">
                           <a:latin typeface="나눔고딕 ExtraBold" panose="020D0904000000000000" pitchFamily="50" charset="-127"/>
                           <a:ea typeface="나눔고딕 ExtraBold" panose="020D0904000000000000" pitchFamily="50" charset="-127"/>
                         </a:rPr>
@@ -4887,7 +4828,7 @@
                     <a:p>
                       <a:pPr algn="ctr" latinLnBrk="1"/>
                       <a:r>
-                        <a:rPr lang="en-US" altLang="ko-KR" sz="1600" dirty="0" smtClean="0">
+                        <a:rPr lang="en-US" altLang="ko-KR" sz="1600" dirty="0">
                           <a:latin typeface="나눔고딕 ExtraBold" panose="020D0904000000000000" pitchFamily="50" charset="-127"/>
                           <a:ea typeface="나눔고딕 ExtraBold" panose="020D0904000000000000" pitchFamily="50" charset="-127"/>
                         </a:rPr>
@@ -4943,6 +4884,11 @@
                     </a:solidFill>
                   </a:tcPr>
                 </a:tc>
+                <a:extLst>
+                  <a:ext uri="{0D108BD9-81ED-4DB2-BD59-A6C34878D82A}">
+                    <a16:rowId xmlns:a16="http://schemas.microsoft.com/office/drawing/2014/main" val="10004"/>
+                  </a:ext>
+                </a:extLst>
               </a:tr>
               <a:tr h="677014">
                 <a:tc>
@@ -4952,16 +4898,12 @@
                     <a:p>
                       <a:pPr algn="ctr" latinLnBrk="1"/>
                       <a:r>
-                        <a:rPr lang="ko-KR" altLang="en-US" sz="1600" dirty="0" smtClean="0">
+                        <a:rPr lang="ko-KR" altLang="en-US" sz="1600" dirty="0">
                           <a:latin typeface="나눔고딕 ExtraBold" panose="020D0904000000000000" pitchFamily="50" charset="-127"/>
                           <a:ea typeface="나눔고딕 ExtraBold" panose="020D0904000000000000" pitchFamily="50" charset="-127"/>
                         </a:rPr>
                         <a:t>사운드</a:t>
                       </a:r>
-                      <a:endParaRPr lang="ko-KR" altLang="en-US" sz="1600" dirty="0">
-                        <a:latin typeface="나눔고딕 ExtraBold" panose="020D0904000000000000" pitchFamily="50" charset="-127"/>
-                        <a:ea typeface="나눔고딕 ExtraBold" panose="020D0904000000000000" pitchFamily="50" charset="-127"/>
-                      </a:endParaRPr>
                     </a:p>
                   </a:txBody>
                   <a:tcPr anchor="ctr">
@@ -5018,27 +4960,27 @@
                         <a:buChar char="-"/>
                       </a:pPr>
                       <a:r>
-                        <a:rPr lang="ko-KR" altLang="en-US" sz="1200" baseline="0" dirty="0" smtClean="0">
+                        <a:rPr lang="ko-KR" altLang="en-US" sz="1200" baseline="0" dirty="0">
                           <a:latin typeface="나눔고딕 ExtraBold" panose="020D0904000000000000" pitchFamily="50" charset="-127"/>
                           <a:ea typeface="나눔고딕 ExtraBold" panose="020D0904000000000000" pitchFamily="50" charset="-127"/>
                         </a:rPr>
                         <a:t>로비 시작 배경 음악</a:t>
                       </a:r>
                       <a:r>
-                        <a:rPr lang="en-US" altLang="ko-KR" sz="1200" baseline="0" dirty="0" smtClean="0">
+                        <a:rPr lang="en-US" altLang="ko-KR" sz="1200" baseline="0" dirty="0">
                           <a:latin typeface="나눔고딕 ExtraBold" panose="020D0904000000000000" pitchFamily="50" charset="-127"/>
                           <a:ea typeface="나눔고딕 ExtraBold" panose="020D0904000000000000" pitchFamily="50" charset="-127"/>
                         </a:rPr>
                         <a:t>, </a:t>
                       </a:r>
                       <a:r>
-                        <a:rPr lang="ko-KR" altLang="en-US" sz="1200" baseline="0" dirty="0" smtClean="0">
+                        <a:rPr lang="ko-KR" altLang="en-US" sz="1200" baseline="0" dirty="0">
                           <a:latin typeface="나눔고딕 ExtraBold" panose="020D0904000000000000" pitchFamily="50" charset="-127"/>
                           <a:ea typeface="나눔고딕 ExtraBold" panose="020D0904000000000000" pitchFamily="50" charset="-127"/>
                         </a:rPr>
                         <a:t>인 게임 배경 음악</a:t>
                       </a:r>
-                      <a:endParaRPr lang="en-US" altLang="ko-KR" sz="1200" baseline="0" dirty="0" smtClean="0">
+                      <a:endParaRPr lang="en-US" altLang="ko-KR" sz="1200" baseline="0" dirty="0">
                         <a:latin typeface="나눔고딕 ExtraBold" panose="020D0904000000000000" pitchFamily="50" charset="-127"/>
                         <a:ea typeface="나눔고딕 ExtraBold" panose="020D0904000000000000" pitchFamily="50" charset="-127"/>
                       </a:endParaRPr>
@@ -5049,20 +4991,20 @@
                         <a:buChar char="-"/>
                       </a:pPr>
                       <a:r>
-                        <a:rPr lang="en-US" altLang="ko-KR" sz="1200" baseline="0" dirty="0" smtClean="0">
+                        <a:rPr lang="en-US" altLang="ko-KR" sz="1200" baseline="0" dirty="0">
                           <a:latin typeface="나눔고딕 ExtraBold" panose="020D0904000000000000" pitchFamily="50" charset="-127"/>
                           <a:ea typeface="나눔고딕 ExtraBold" panose="020D0904000000000000" pitchFamily="50" charset="-127"/>
                         </a:rPr>
                         <a:t>UI </a:t>
                       </a:r>
                       <a:r>
-                        <a:rPr lang="ko-KR" altLang="en-US" sz="1200" baseline="0" dirty="0" smtClean="0">
+                        <a:rPr lang="ko-KR" altLang="en-US" sz="1200" baseline="0" dirty="0">
                           <a:latin typeface="나눔고딕 ExtraBold" panose="020D0904000000000000" pitchFamily="50" charset="-127"/>
                           <a:ea typeface="나눔고딕 ExtraBold" panose="020D0904000000000000" pitchFamily="50" charset="-127"/>
                         </a:rPr>
                         <a:t>선택 시 효과음</a:t>
                       </a:r>
-                      <a:endParaRPr lang="en-US" altLang="ko-KR" sz="1200" baseline="0" dirty="0" smtClean="0">
+                      <a:endParaRPr lang="en-US" altLang="ko-KR" sz="1200" baseline="0" dirty="0">
                         <a:latin typeface="나눔고딕 ExtraBold" panose="020D0904000000000000" pitchFamily="50" charset="-127"/>
                         <a:ea typeface="나눔고딕 ExtraBold" panose="020D0904000000000000" pitchFamily="50" charset="-127"/>
                       </a:endParaRPr>
@@ -5073,23 +5015,19 @@
                         <a:buChar char="-"/>
                       </a:pPr>
                       <a:r>
-                        <a:rPr lang="en-US" altLang="ko-KR" sz="1200" dirty="0" smtClean="0">
+                        <a:rPr lang="en-US" altLang="ko-KR" sz="1200" dirty="0">
                           <a:latin typeface="나눔고딕 ExtraBold" panose="020D0904000000000000" pitchFamily="50" charset="-127"/>
                           <a:ea typeface="나눔고딕 ExtraBold" panose="020D0904000000000000" pitchFamily="50" charset="-127"/>
                         </a:rPr>
                         <a:t>Hit, Out, Safe </a:t>
                       </a:r>
                       <a:r>
-                        <a:rPr lang="ko-KR" altLang="en-US" sz="1200" dirty="0" smtClean="0">
+                        <a:rPr lang="ko-KR" altLang="en-US" sz="1200" dirty="0">
                           <a:latin typeface="나눔고딕 ExtraBold" panose="020D0904000000000000" pitchFamily="50" charset="-127"/>
                           <a:ea typeface="나눔고딕 ExtraBold" panose="020D0904000000000000" pitchFamily="50" charset="-127"/>
                         </a:rPr>
                         <a:t>등 효과음</a:t>
                       </a:r>
-                      <a:endParaRPr lang="ko-KR" altLang="en-US" sz="1200" dirty="0">
-                        <a:latin typeface="나눔고딕 ExtraBold" panose="020D0904000000000000" pitchFamily="50" charset="-127"/>
-                        <a:ea typeface="나눔고딕 ExtraBold" panose="020D0904000000000000" pitchFamily="50" charset="-127"/>
-                      </a:endParaRPr>
                     </a:p>
                   </a:txBody>
                   <a:tcPr anchor="ctr">
@@ -5143,21 +5081,21 @@
                     <a:p>
                       <a:pPr algn="ctr" latinLnBrk="1"/>
                       <a:r>
-                        <a:rPr lang="en-US" altLang="ko-KR" sz="1200" dirty="0" smtClean="0">
+                        <a:rPr lang="en-US" altLang="ko-KR" sz="1200" dirty="0">
                           <a:latin typeface="나눔고딕 ExtraBold" panose="020D0904000000000000" pitchFamily="50" charset="-127"/>
                           <a:ea typeface="나눔고딕 ExtraBold" panose="020D0904000000000000" pitchFamily="50" charset="-127"/>
                         </a:rPr>
                         <a:t>UI</a:t>
                       </a:r>
                       <a:r>
-                        <a:rPr lang="en-US" altLang="ko-KR" sz="1200" baseline="0" dirty="0" smtClean="0">
+                        <a:rPr lang="en-US" altLang="ko-KR" sz="1200" baseline="0" dirty="0">
                           <a:latin typeface="나눔고딕 ExtraBold" panose="020D0904000000000000" pitchFamily="50" charset="-127"/>
                           <a:ea typeface="나눔고딕 ExtraBold" panose="020D0904000000000000" pitchFamily="50" charset="-127"/>
                         </a:rPr>
                         <a:t> </a:t>
                       </a:r>
                       <a:r>
-                        <a:rPr lang="ko-KR" altLang="en-US" sz="1200" baseline="0" dirty="0" smtClean="0">
+                        <a:rPr lang="ko-KR" altLang="en-US" sz="1200" baseline="0" dirty="0">
                           <a:latin typeface="나눔고딕 ExtraBold" panose="020D0904000000000000" pitchFamily="50" charset="-127"/>
                           <a:ea typeface="나눔고딕 ExtraBold" panose="020D0904000000000000" pitchFamily="50" charset="-127"/>
                         </a:rPr>
@@ -5220,7 +5158,7 @@
                     <a:p>
                       <a:pPr algn="ctr" latinLnBrk="1"/>
                       <a:r>
-                        <a:rPr lang="en-US" altLang="ko-KR" sz="1600" dirty="0" smtClean="0">
+                        <a:rPr lang="en-US" altLang="ko-KR" sz="1600" dirty="0">
                           <a:latin typeface="나눔고딕 ExtraBold" panose="020D0904000000000000" pitchFamily="50" charset="-127"/>
                           <a:ea typeface="나눔고딕 ExtraBold" panose="020D0904000000000000" pitchFamily="50" charset="-127"/>
                         </a:rPr>
@@ -5276,6 +5214,11 @@
                     </a:solidFill>
                   </a:tcPr>
                 </a:tc>
+                <a:extLst>
+                  <a:ext uri="{0D108BD9-81ED-4DB2-BD59-A6C34878D82A}">
+                    <a16:rowId xmlns:a16="http://schemas.microsoft.com/office/drawing/2014/main" val="10005"/>
+                  </a:ext>
+                </a:extLst>
               </a:tr>
               <a:tr h="677014">
                 <a:tc>
@@ -5285,16 +5228,12 @@
                     <a:p>
                       <a:pPr algn="ctr" latinLnBrk="1"/>
                       <a:r>
-                        <a:rPr lang="ko-KR" altLang="en-US" sz="1600" dirty="0" smtClean="0">
+                        <a:rPr lang="ko-KR" altLang="en-US" sz="1600" dirty="0">
                           <a:latin typeface="나눔고딕 ExtraBold" panose="020D0904000000000000" pitchFamily="50" charset="-127"/>
                           <a:ea typeface="나눔고딕 ExtraBold" panose="020D0904000000000000" pitchFamily="50" charset="-127"/>
                         </a:rPr>
                         <a:t>애니메이션</a:t>
                       </a:r>
-                      <a:endParaRPr lang="ko-KR" altLang="en-US" sz="1600" dirty="0">
-                        <a:latin typeface="나눔고딕 ExtraBold" panose="020D0904000000000000" pitchFamily="50" charset="-127"/>
-                        <a:ea typeface="나눔고딕 ExtraBold" panose="020D0904000000000000" pitchFamily="50" charset="-127"/>
-                      </a:endParaRPr>
                     </a:p>
                   </a:txBody>
                   <a:tcPr anchor="ctr">
@@ -5351,14 +5290,14 @@
                         <a:buChar char="-"/>
                       </a:pPr>
                       <a:r>
-                        <a:rPr lang="ko-KR" altLang="en-US" sz="1200" dirty="0" smtClean="0">
+                        <a:rPr lang="ko-KR" altLang="en-US" sz="1200" dirty="0">
                           <a:latin typeface="나눔고딕 ExtraBold" panose="020D0904000000000000" pitchFamily="50" charset="-127"/>
                           <a:ea typeface="나눔고딕 ExtraBold" panose="020D0904000000000000" pitchFamily="50" charset="-127"/>
                         </a:rPr>
                         <a:t>타자 </a:t>
                       </a:r>
                       <a:r>
-                        <a:rPr lang="en-US" altLang="ko-KR" sz="1200" dirty="0" smtClean="0">
+                        <a:rPr lang="en-US" altLang="ko-KR" sz="1200" dirty="0">
                           <a:latin typeface="나눔고딕 ExtraBold" panose="020D0904000000000000" pitchFamily="50" charset="-127"/>
                           <a:ea typeface="나눔고딕 ExtraBold" panose="020D0904000000000000" pitchFamily="50" charset="-127"/>
                         </a:rPr>
@@ -5371,14 +5310,14 @@
                         <a:buChar char="-"/>
                       </a:pPr>
                       <a:r>
-                        <a:rPr lang="ko-KR" altLang="en-US" sz="1200" dirty="0" smtClean="0">
+                        <a:rPr lang="ko-KR" altLang="en-US" sz="1200" dirty="0">
                           <a:latin typeface="나눔고딕 ExtraBold" panose="020D0904000000000000" pitchFamily="50" charset="-127"/>
                           <a:ea typeface="나눔고딕 ExtraBold" panose="020D0904000000000000" pitchFamily="50" charset="-127"/>
                         </a:rPr>
                         <a:t>투수 </a:t>
                       </a:r>
                       <a:r>
-                        <a:rPr lang="en-US" altLang="ko-KR" sz="1200" dirty="0" smtClean="0">
+                        <a:rPr lang="en-US" altLang="ko-KR" sz="1200" dirty="0">
                           <a:latin typeface="나눔고딕 ExtraBold" panose="020D0904000000000000" pitchFamily="50" charset="-127"/>
                           <a:ea typeface="나눔고딕 ExtraBold" panose="020D0904000000000000" pitchFamily="50" charset="-127"/>
                         </a:rPr>
@@ -5391,14 +5330,14 @@
                         <a:buChar char="-"/>
                       </a:pPr>
                       <a:r>
-                        <a:rPr lang="ko-KR" altLang="en-US" sz="1200" dirty="0" smtClean="0">
+                        <a:rPr lang="ko-KR" altLang="en-US" sz="1200" dirty="0">
                           <a:latin typeface="나눔고딕 ExtraBold" panose="020D0904000000000000" pitchFamily="50" charset="-127"/>
                           <a:ea typeface="나눔고딕 ExtraBold" panose="020D0904000000000000" pitchFamily="50" charset="-127"/>
                         </a:rPr>
                         <a:t>수비수 </a:t>
                       </a:r>
                       <a:r>
-                        <a:rPr lang="en-US" altLang="ko-KR" sz="1200" dirty="0" smtClean="0">
+                        <a:rPr lang="en-US" altLang="ko-KR" sz="1200" dirty="0">
                           <a:latin typeface="나눔고딕 ExtraBold" panose="020D0904000000000000" pitchFamily="50" charset="-127"/>
                           <a:ea typeface="나눔고딕 ExtraBold" panose="020D0904000000000000" pitchFamily="50" charset="-127"/>
                         </a:rPr>
@@ -5461,16 +5400,12 @@
                     <a:p>
                       <a:pPr algn="ctr" latinLnBrk="1"/>
                       <a:r>
-                        <a:rPr lang="ko-KR" altLang="en-US" sz="1200" dirty="0" smtClean="0">
+                        <a:rPr lang="ko-KR" altLang="en-US" sz="1200" dirty="0">
                           <a:latin typeface="나눔고딕 ExtraBold" panose="020D0904000000000000" pitchFamily="50" charset="-127"/>
                           <a:ea typeface="나눔고딕 ExtraBold" panose="020D0904000000000000" pitchFamily="50" charset="-127"/>
                         </a:rPr>
                         <a:t>구현</a:t>
                       </a:r>
-                      <a:endParaRPr lang="ko-KR" altLang="en-US" sz="1200" dirty="0">
-                        <a:latin typeface="나눔고딕 ExtraBold" panose="020D0904000000000000" pitchFamily="50" charset="-127"/>
-                        <a:ea typeface="나눔고딕 ExtraBold" panose="020D0904000000000000" pitchFamily="50" charset="-127"/>
-                      </a:endParaRPr>
                     </a:p>
                   </a:txBody>
                   <a:tcPr anchor="ctr">
@@ -5524,7 +5459,7 @@
                     <a:p>
                       <a:pPr algn="ctr" latinLnBrk="1"/>
                       <a:r>
-                        <a:rPr lang="en-US" altLang="ko-KR" sz="1600" dirty="0" smtClean="0">
+                        <a:rPr lang="en-US" altLang="ko-KR" sz="1600" dirty="0">
                           <a:latin typeface="나눔고딕 ExtraBold" panose="020D0904000000000000" pitchFamily="50" charset="-127"/>
                           <a:ea typeface="나눔고딕 ExtraBold" panose="020D0904000000000000" pitchFamily="50" charset="-127"/>
                         </a:rPr>
@@ -5580,6 +5515,11 @@
                     </a:solidFill>
                   </a:tcPr>
                 </a:tc>
+                <a:extLst>
+                  <a:ext uri="{0D108BD9-81ED-4DB2-BD59-A6C34878D82A}">
+                    <a16:rowId xmlns:a16="http://schemas.microsoft.com/office/drawing/2014/main" val="10006"/>
+                  </a:ext>
+                </a:extLst>
               </a:tr>
               <a:tr h="677014">
                 <a:tc>
@@ -5589,7 +5529,7 @@
                     <a:p>
                       <a:pPr algn="ctr" latinLnBrk="1"/>
                       <a:r>
-                        <a:rPr lang="en-US" altLang="ko-KR" sz="1600" dirty="0" smtClean="0">
+                        <a:rPr lang="en-US" altLang="ko-KR" sz="1600" dirty="0">
                           <a:latin typeface="나눔고딕 ExtraBold" panose="020D0904000000000000" pitchFamily="50" charset="-127"/>
                           <a:ea typeface="나눔고딕 ExtraBold" panose="020D0904000000000000" pitchFamily="50" charset="-127"/>
                         </a:rPr>
@@ -5655,27 +5595,27 @@
                         <a:buChar char="-"/>
                       </a:pPr>
                       <a:r>
-                        <a:rPr lang="ko-KR" altLang="en-US" sz="1200" dirty="0" smtClean="0">
+                        <a:rPr lang="ko-KR" altLang="en-US" sz="1200" dirty="0">
                           <a:latin typeface="나눔고딕 ExtraBold" panose="020D0904000000000000" pitchFamily="50" charset="-127"/>
                           <a:ea typeface="나눔고딕 ExtraBold" panose="020D0904000000000000" pitchFamily="50" charset="-127"/>
                         </a:rPr>
                         <a:t>미니 </a:t>
                       </a:r>
                       <a:r>
-                        <a:rPr lang="ko-KR" altLang="en-US" sz="1200" dirty="0" err="1" smtClean="0">
+                        <a:rPr lang="ko-KR" altLang="en-US" sz="1200" dirty="0" err="1">
                           <a:latin typeface="나눔고딕 ExtraBold" panose="020D0904000000000000" pitchFamily="50" charset="-127"/>
                           <a:ea typeface="나눔고딕 ExtraBold" panose="020D0904000000000000" pitchFamily="50" charset="-127"/>
                         </a:rPr>
                         <a:t>맵</a:t>
                       </a:r>
                       <a:r>
-                        <a:rPr lang="ko-KR" altLang="en-US" sz="1200" dirty="0" smtClean="0">
+                        <a:rPr lang="ko-KR" altLang="en-US" sz="1200" dirty="0">
                           <a:latin typeface="나눔고딕 ExtraBold" panose="020D0904000000000000" pitchFamily="50" charset="-127"/>
                           <a:ea typeface="나눔고딕 ExtraBold" panose="020D0904000000000000" pitchFamily="50" charset="-127"/>
                         </a:rPr>
                         <a:t> 구현</a:t>
                       </a:r>
-                      <a:endParaRPr lang="en-US" altLang="ko-KR" sz="1200" dirty="0" smtClean="0">
+                      <a:endParaRPr lang="en-US" altLang="ko-KR" sz="1200" dirty="0">
                         <a:latin typeface="나눔고딕 ExtraBold" panose="020D0904000000000000" pitchFamily="50" charset="-127"/>
                         <a:ea typeface="나눔고딕 ExtraBold" panose="020D0904000000000000" pitchFamily="50" charset="-127"/>
                       </a:endParaRPr>
@@ -5686,13 +5626,13 @@
                         <a:buChar char="-"/>
                       </a:pPr>
                       <a:r>
-                        <a:rPr lang="ko-KR" altLang="en-US" sz="1200" dirty="0" smtClean="0">
+                        <a:rPr lang="ko-KR" altLang="en-US" sz="1200" dirty="0">
                           <a:latin typeface="나눔고딕 ExtraBold" panose="020D0904000000000000" pitchFamily="50" charset="-127"/>
                           <a:ea typeface="나눔고딕 ExtraBold" panose="020D0904000000000000" pitchFamily="50" charset="-127"/>
                         </a:rPr>
                         <a:t>타자의 정보 출력</a:t>
                       </a:r>
-                      <a:endParaRPr lang="en-US" altLang="ko-KR" sz="1200" dirty="0" smtClean="0">
+                      <a:endParaRPr lang="en-US" altLang="ko-KR" sz="1200" dirty="0">
                         <a:latin typeface="나눔고딕 ExtraBold" panose="020D0904000000000000" pitchFamily="50" charset="-127"/>
                         <a:ea typeface="나눔고딕 ExtraBold" panose="020D0904000000000000" pitchFamily="50" charset="-127"/>
                       </a:endParaRPr>
@@ -5703,16 +5643,12 @@
                         <a:buChar char="-"/>
                       </a:pPr>
                       <a:r>
-                        <a:rPr lang="ko-KR" altLang="en-US" sz="1200" dirty="0" smtClean="0">
+                        <a:rPr lang="ko-KR" altLang="en-US" sz="1200" dirty="0">
                           <a:latin typeface="나눔고딕 ExtraBold" panose="020D0904000000000000" pitchFamily="50" charset="-127"/>
                           <a:ea typeface="나눔고딕 ExtraBold" panose="020D0904000000000000" pitchFamily="50" charset="-127"/>
                         </a:rPr>
                         <a:t>현재 게임 정보 출력</a:t>
                       </a:r>
-                      <a:endParaRPr lang="ko-KR" altLang="en-US" sz="1200" dirty="0">
-                        <a:latin typeface="나눔고딕 ExtraBold" panose="020D0904000000000000" pitchFamily="50" charset="-127"/>
-                        <a:ea typeface="나눔고딕 ExtraBold" panose="020D0904000000000000" pitchFamily="50" charset="-127"/>
-                      </a:endParaRPr>
                     </a:p>
                   </a:txBody>
                   <a:tcPr anchor="ctr">
@@ -5766,16 +5702,12 @@
                     <a:p>
                       <a:pPr algn="ctr" latinLnBrk="1"/>
                       <a:r>
-                        <a:rPr lang="ko-KR" altLang="en-US" sz="1200" dirty="0" smtClean="0">
+                        <a:rPr lang="ko-KR" altLang="en-US" sz="1200" dirty="0">
                           <a:latin typeface="나눔고딕 ExtraBold" panose="020D0904000000000000" pitchFamily="50" charset="-127"/>
                           <a:ea typeface="나눔고딕 ExtraBold" panose="020D0904000000000000" pitchFamily="50" charset="-127"/>
                         </a:rPr>
                         <a:t>구현</a:t>
                       </a:r>
-                      <a:endParaRPr lang="ko-KR" altLang="en-US" sz="1200" dirty="0">
-                        <a:latin typeface="나눔고딕 ExtraBold" panose="020D0904000000000000" pitchFamily="50" charset="-127"/>
-                        <a:ea typeface="나눔고딕 ExtraBold" panose="020D0904000000000000" pitchFamily="50" charset="-127"/>
-                      </a:endParaRPr>
                     </a:p>
                   </a:txBody>
                   <a:tcPr anchor="ctr">
@@ -5829,7 +5761,7 @@
                     <a:p>
                       <a:pPr algn="ctr" latinLnBrk="1"/>
                       <a:r>
-                        <a:rPr lang="en-US" altLang="ko-KR" sz="1600" dirty="0" smtClean="0">
+                        <a:rPr lang="en-US" altLang="ko-KR" sz="1600" dirty="0">
                           <a:latin typeface="나눔고딕 ExtraBold" panose="020D0904000000000000" pitchFamily="50" charset="-127"/>
                           <a:ea typeface="나눔고딕 ExtraBold" panose="020D0904000000000000" pitchFamily="50" charset="-127"/>
                         </a:rPr>
@@ -5885,6 +5817,11 @@
                     </a:solidFill>
                   </a:tcPr>
                 </a:tc>
+                <a:extLst>
+                  <a:ext uri="{0D108BD9-81ED-4DB2-BD59-A6C34878D82A}">
+                    <a16:rowId xmlns:a16="http://schemas.microsoft.com/office/drawing/2014/main" val="10007"/>
+                  </a:ext>
+                </a:extLst>
               </a:tr>
             </a:tbl>
           </a:graphicData>
@@ -5900,13 +5837,6 @@
   <p:clrMapOvr>
     <a:masterClrMapping/>
   </p:clrMapOvr>
-  <p:timing>
-    <p:tnLst>
-      <p:par>
-        <p:cTn id="1" dur="indefinite" restart="never" nodeType="tmRoot"/>
-      </p:par>
-    </p:tnLst>
-  </p:timing>
 </p:sld>
 </file>
 
@@ -5935,191 +5865,6 @@
           <a:chExt cx="0" cy="0"/>
         </a:xfrm>
       </p:grpSpPr>
-      <p:pic>
-        <p:nvPicPr>
-          <p:cNvPr id="5" name="그림 4"/>
-          <p:cNvPicPr>
-            <a:picLocks noChangeAspect="1"/>
-          </p:cNvPicPr>
-          <p:nvPr/>
-        </p:nvPicPr>
-        <p:blipFill>
-          <a:blip r:embed="rId2"/>
-          <a:stretch>
-            <a:fillRect/>
-          </a:stretch>
-        </p:blipFill>
-        <p:spPr>
-          <a:xfrm>
-            <a:off x="236074" y="2142634"/>
-            <a:ext cx="8122662" cy="1539376"/>
-          </a:xfrm>
-          <a:prstGeom prst="rect">
-            <a:avLst/>
-          </a:prstGeom>
-        </p:spPr>
-      </p:pic>
-      <p:pic>
-        <p:nvPicPr>
-          <p:cNvPr id="10" name="그림 9"/>
-          <p:cNvPicPr>
-            <a:picLocks noChangeAspect="1"/>
-          </p:cNvPicPr>
-          <p:nvPr/>
-        </p:nvPicPr>
-        <p:blipFill rotWithShape="1">
-          <a:blip r:embed="rId2"/>
-          <a:srcRect l="85618" t="44153"/>
-          <a:stretch/>
-        </p:blipFill>
-        <p:spPr>
-          <a:xfrm>
-            <a:off x="9046454" y="2029981"/>
-            <a:ext cx="2619631" cy="1927807"/>
-          </a:xfrm>
-          <a:prstGeom prst="rect">
-            <a:avLst/>
-          </a:prstGeom>
-        </p:spPr>
-      </p:pic>
-      <p:sp>
-        <p:nvSpPr>
-          <p:cNvPr id="11" name="모서리가 둥근 직사각형 10"/>
-          <p:cNvSpPr/>
-          <p:nvPr/>
-        </p:nvSpPr>
-        <p:spPr>
-          <a:xfrm>
-            <a:off x="7150019" y="2619639"/>
-            <a:ext cx="1136822" cy="1062681"/>
-          </a:xfrm>
-          <a:prstGeom prst="roundRect">
-            <a:avLst/>
-          </a:prstGeom>
-          <a:noFill/>
-          <a:ln w="57150">
-            <a:solidFill>
-              <a:srgbClr val="C00000"/>
-            </a:solidFill>
-          </a:ln>
-        </p:spPr>
-        <p:style>
-          <a:lnRef idx="2">
-            <a:schemeClr val="accent1">
-              <a:shade val="50000"/>
-            </a:schemeClr>
-          </a:lnRef>
-          <a:fillRef idx="1">
-            <a:schemeClr val="accent1"/>
-          </a:fillRef>
-          <a:effectRef idx="0">
-            <a:schemeClr val="accent1"/>
-          </a:effectRef>
-          <a:fontRef idx="minor">
-            <a:schemeClr val="lt1"/>
-          </a:fontRef>
-        </p:style>
-        <p:txBody>
-          <a:bodyPr rtlCol="0" anchor="ctr"/>
-          <a:lstStyle/>
-          <a:p>
-            <a:pPr algn="ctr"/>
-            <a:endParaRPr lang="ko-KR" altLang="en-US">
-              <a:latin typeface="나눔고딕 ExtraBold" panose="020D0904000000000000" pitchFamily="50" charset="-127"/>
-              <a:ea typeface="나눔고딕 ExtraBold" panose="020D0904000000000000" pitchFamily="50" charset="-127"/>
-            </a:endParaRPr>
-          </a:p>
-        </p:txBody>
-      </p:sp>
-      <p:sp>
-        <p:nvSpPr>
-          <p:cNvPr id="15" name="모서리가 둥근 직사각형 14"/>
-          <p:cNvSpPr/>
-          <p:nvPr/>
-        </p:nvSpPr>
-        <p:spPr>
-          <a:xfrm>
-            <a:off x="9105054" y="2114495"/>
-            <a:ext cx="2500182" cy="1758778"/>
-          </a:xfrm>
-          <a:prstGeom prst="roundRect">
-            <a:avLst/>
-          </a:prstGeom>
-          <a:noFill/>
-          <a:ln w="57150">
-            <a:solidFill>
-              <a:schemeClr val="accent1">
-                <a:lumMod val="50000"/>
-              </a:schemeClr>
-            </a:solidFill>
-          </a:ln>
-        </p:spPr>
-        <p:style>
-          <a:lnRef idx="2">
-            <a:schemeClr val="accent1">
-              <a:shade val="50000"/>
-            </a:schemeClr>
-          </a:lnRef>
-          <a:fillRef idx="1">
-            <a:schemeClr val="accent1"/>
-          </a:fillRef>
-          <a:effectRef idx="0">
-            <a:schemeClr val="accent1"/>
-          </a:effectRef>
-          <a:fontRef idx="minor">
-            <a:schemeClr val="lt1"/>
-          </a:fontRef>
-        </p:style>
-        <p:txBody>
-          <a:bodyPr rtlCol="0" anchor="ctr"/>
-          <a:lstStyle/>
-          <a:p>
-            <a:pPr algn="ctr"/>
-            <a:endParaRPr lang="ko-KR" altLang="en-US">
-              <a:latin typeface="나눔고딕 ExtraBold" panose="020D0904000000000000" pitchFamily="50" charset="-127"/>
-              <a:ea typeface="나눔고딕 ExtraBold" panose="020D0904000000000000" pitchFamily="50" charset="-127"/>
-            </a:endParaRPr>
-          </a:p>
-        </p:txBody>
-      </p:sp>
-      <p:cxnSp>
-        <p:nvCxnSpPr>
-          <p:cNvPr id="13" name="직선 화살표 연결선 12"/>
-          <p:cNvCxnSpPr>
-            <a:stCxn id="11" idx="3"/>
-          </p:cNvCxnSpPr>
-          <p:nvPr/>
-        </p:nvCxnSpPr>
-        <p:spPr>
-          <a:xfrm flipV="1">
-            <a:off x="8286841" y="2993885"/>
-            <a:ext cx="1155029" cy="157095"/>
-          </a:xfrm>
-          <a:prstGeom prst="straightConnector1">
-            <a:avLst/>
-          </a:prstGeom>
-          <a:ln w="57150">
-            <a:solidFill>
-              <a:srgbClr val="C00000"/>
-            </a:solidFill>
-            <a:tailEnd type="triangle"/>
-          </a:ln>
-        </p:spPr>
-        <p:style>
-          <a:lnRef idx="1">
-            <a:schemeClr val="accent1"/>
-          </a:lnRef>
-          <a:fillRef idx="0">
-            <a:schemeClr val="accent1"/>
-          </a:fillRef>
-          <a:effectRef idx="0">
-            <a:schemeClr val="accent1"/>
-          </a:effectRef>
-          <a:fontRef idx="minor">
-            <a:schemeClr val="tx1"/>
-          </a:fontRef>
-        </p:style>
-      </p:cxnSp>
       <p:graphicFrame>
         <p:nvGraphicFramePr>
           <p:cNvPr id="17" name="표 16"/>
@@ -6129,7 +5874,7 @@
           <p:nvPr>
             <p:extLst>
               <p:ext uri="{D42A27DB-BD31-4B8C-83A1-F6EECF244321}">
-                <p14:modId xmlns:p14="http://schemas.microsoft.com/office/powerpoint/2010/main" val="4118189386"/>
+                <p14:modId xmlns:p14="http://schemas.microsoft.com/office/powerpoint/2010/main" val="1665128389"/>
               </p:ext>
             </p:extLst>
           </p:nvPr>
@@ -6145,10 +5890,34 @@
                 <a:tableStyleId>{5C22544A-7EE6-4342-B048-85BDC9FD1C3A}</a:tableStyleId>
               </a:tblPr>
               <a:tblGrid>
-                <a:gridCol w="2782076"/>
-                <a:gridCol w="2782076"/>
-                <a:gridCol w="2782076"/>
-                <a:gridCol w="2782076"/>
+                <a:gridCol w="2782076">
+                  <a:extLst>
+                    <a:ext uri="{9D8B030D-6E8A-4147-A177-3AD203B41FA5}">
+                      <a16:colId xmlns:a16="http://schemas.microsoft.com/office/drawing/2014/main" val="20000"/>
+                    </a:ext>
+                  </a:extLst>
+                </a:gridCol>
+                <a:gridCol w="2782076">
+                  <a:extLst>
+                    <a:ext uri="{9D8B030D-6E8A-4147-A177-3AD203B41FA5}">
+                      <a16:colId xmlns:a16="http://schemas.microsoft.com/office/drawing/2014/main" val="20001"/>
+                    </a:ext>
+                  </a:extLst>
+                </a:gridCol>
+                <a:gridCol w="2782076">
+                  <a:extLst>
+                    <a:ext uri="{9D8B030D-6E8A-4147-A177-3AD203B41FA5}">
+                      <a16:colId xmlns:a16="http://schemas.microsoft.com/office/drawing/2014/main" val="20002"/>
+                    </a:ext>
+                  </a:extLst>
+                </a:gridCol>
+                <a:gridCol w="2782076">
+                  <a:extLst>
+                    <a:ext uri="{9D8B030D-6E8A-4147-A177-3AD203B41FA5}">
+                      <a16:colId xmlns:a16="http://schemas.microsoft.com/office/drawing/2014/main" val="20003"/>
+                    </a:ext>
+                  </a:extLst>
+                </a:gridCol>
               </a:tblGrid>
               <a:tr h="370840">
                 <a:tc>
@@ -6158,7 +5927,7 @@
                     <a:p>
                       <a:pPr algn="ctr" latinLnBrk="1"/>
                       <a:r>
-                        <a:rPr lang="ko-KR" altLang="en-US" dirty="0" smtClean="0">
+                        <a:rPr lang="ko-KR" altLang="en-US" dirty="0">
                           <a:solidFill>
                             <a:sysClr val="windowText" lastClr="000000"/>
                           </a:solidFill>
@@ -6167,13 +5936,6 @@
                         </a:rPr>
                         <a:t>주</a:t>
                       </a:r>
-                      <a:endParaRPr lang="ko-KR" altLang="en-US" dirty="0">
-                        <a:solidFill>
-                          <a:sysClr val="windowText" lastClr="000000"/>
-                        </a:solidFill>
-                        <a:latin typeface="나눔고딕 ExtraBold" panose="020D0904000000000000" pitchFamily="50" charset="-127"/>
-                        <a:ea typeface="나눔고딕 ExtraBold" panose="020D0904000000000000" pitchFamily="50" charset="-127"/>
-                      </a:endParaRPr>
                     </a:p>
                   </a:txBody>
                   <a:tcPr anchor="ctr">
@@ -6225,7 +5987,7 @@
                     <a:p>
                       <a:pPr algn="ctr" latinLnBrk="1"/>
                       <a:r>
-                        <a:rPr lang="ko-KR" altLang="en-US" dirty="0" err="1" smtClean="0">
+                        <a:rPr lang="ko-KR" altLang="en-US" dirty="0" err="1">
                           <a:solidFill>
                             <a:sysClr val="windowText" lastClr="000000"/>
                           </a:solidFill>
@@ -6235,7 +5997,7 @@
                         <a:t>커밋</a:t>
                       </a:r>
                       <a:r>
-                        <a:rPr lang="ko-KR" altLang="en-US" dirty="0" smtClean="0">
+                        <a:rPr lang="ko-KR" altLang="en-US" dirty="0">
                           <a:solidFill>
                             <a:sysClr val="windowText" lastClr="000000"/>
                           </a:solidFill>
@@ -6244,13 +6006,6 @@
                         </a:rPr>
                         <a:t> 횟수</a:t>
                       </a:r>
-                      <a:endParaRPr lang="ko-KR" altLang="en-US" dirty="0">
-                        <a:solidFill>
-                          <a:sysClr val="windowText" lastClr="000000"/>
-                        </a:solidFill>
-                        <a:latin typeface="나눔고딕 ExtraBold" panose="020D0904000000000000" pitchFamily="50" charset="-127"/>
-                        <a:ea typeface="나눔고딕 ExtraBold" panose="020D0904000000000000" pitchFamily="50" charset="-127"/>
-                      </a:endParaRPr>
                     </a:p>
                   </a:txBody>
                   <a:tcPr anchor="ctr">
@@ -6302,7 +6057,7 @@
                     <a:p>
                       <a:pPr algn="ctr" latinLnBrk="1"/>
                       <a:r>
-                        <a:rPr lang="ko-KR" altLang="en-US" dirty="0" smtClean="0">
+                        <a:rPr lang="ko-KR" altLang="en-US" dirty="0">
                           <a:solidFill>
                             <a:sysClr val="windowText" lastClr="000000"/>
                           </a:solidFill>
@@ -6311,13 +6066,6 @@
                         </a:rPr>
                         <a:t>주</a:t>
                       </a:r>
-                      <a:endParaRPr lang="ko-KR" altLang="en-US" dirty="0">
-                        <a:solidFill>
-                          <a:sysClr val="windowText" lastClr="000000"/>
-                        </a:solidFill>
-                        <a:latin typeface="나눔고딕 ExtraBold" panose="020D0904000000000000" pitchFamily="50" charset="-127"/>
-                        <a:ea typeface="나눔고딕 ExtraBold" panose="020D0904000000000000" pitchFamily="50" charset="-127"/>
-                      </a:endParaRPr>
                     </a:p>
                   </a:txBody>
                   <a:tcPr anchor="ctr">
@@ -6369,7 +6117,7 @@
                     <a:p>
                       <a:pPr algn="ctr" latinLnBrk="1"/>
                       <a:r>
-                        <a:rPr lang="ko-KR" altLang="en-US" dirty="0" err="1" smtClean="0">
+                        <a:rPr lang="ko-KR" altLang="en-US" dirty="0" err="1">
                           <a:solidFill>
                             <a:sysClr val="windowText" lastClr="000000"/>
                           </a:solidFill>
@@ -6379,7 +6127,7 @@
                         <a:t>커밋</a:t>
                       </a:r>
                       <a:r>
-                        <a:rPr lang="ko-KR" altLang="en-US" dirty="0" smtClean="0">
+                        <a:rPr lang="ko-KR" altLang="en-US" dirty="0">
                           <a:solidFill>
                             <a:sysClr val="windowText" lastClr="000000"/>
                           </a:solidFill>
@@ -6388,13 +6136,6 @@
                         </a:rPr>
                         <a:t> 횟수</a:t>
                       </a:r>
-                      <a:endParaRPr lang="ko-KR" altLang="en-US" dirty="0">
-                        <a:solidFill>
-                          <a:sysClr val="windowText" lastClr="000000"/>
-                        </a:solidFill>
-                        <a:latin typeface="나눔고딕 ExtraBold" panose="020D0904000000000000" pitchFamily="50" charset="-127"/>
-                        <a:ea typeface="나눔고딕 ExtraBold" panose="020D0904000000000000" pitchFamily="50" charset="-127"/>
-                      </a:endParaRPr>
                     </a:p>
                   </a:txBody>
                   <a:tcPr anchor="ctr">
@@ -6439,6 +6180,11 @@
                     </a:solidFill>
                   </a:tcPr>
                 </a:tc>
+                <a:extLst>
+                  <a:ext uri="{0D108BD9-81ED-4DB2-BD59-A6C34878D82A}">
+                    <a16:rowId xmlns:a16="http://schemas.microsoft.com/office/drawing/2014/main" val="10000"/>
+                  </a:ext>
+                </a:extLst>
               </a:tr>
               <a:tr h="370840">
                 <a:tc>
@@ -6464,7 +6210,7 @@
                         <a:defRPr/>
                       </a:pPr>
                       <a:r>
-                        <a:rPr lang="en-US" altLang="ko-KR" sz="1800" dirty="0" smtClean="0">
+                        <a:rPr lang="en-US" altLang="ko-KR" sz="1800" dirty="0">
                           <a:solidFill>
                             <a:sysClr val="windowText" lastClr="000000"/>
                           </a:solidFill>
@@ -6473,7 +6219,7 @@
                         </a:rPr>
                         <a:t>Week of Oct 8</a:t>
                       </a:r>
-                      <a:endParaRPr lang="ko-KR" altLang="en-US" sz="1800" dirty="0" smtClean="0">
+                      <a:endParaRPr lang="ko-KR" altLang="en-US" sz="1800" dirty="0">
                         <a:solidFill>
                           <a:sysClr val="windowText" lastClr="000000"/>
                         </a:solidFill>
@@ -6533,7 +6279,7 @@
                     <a:p>
                       <a:pPr algn="ctr" latinLnBrk="1"/>
                       <a:r>
-                        <a:rPr lang="en-US" altLang="ko-KR" dirty="0" smtClean="0">
+                        <a:rPr lang="en-US" altLang="ko-KR" dirty="0">
                           <a:latin typeface="나눔고딕 ExtraBold" panose="020D0904000000000000" pitchFamily="50" charset="-127"/>
                           <a:ea typeface="나눔고딕 ExtraBold" panose="020D0904000000000000" pitchFamily="50" charset="-127"/>
                         </a:rPr>
@@ -6612,7 +6358,7 @@
                         <a:defRPr/>
                       </a:pPr>
                       <a:r>
-                        <a:rPr lang="en-US" altLang="ko-KR" sz="1800" dirty="0" smtClean="0">
+                        <a:rPr lang="en-US" altLang="ko-KR" sz="1800" dirty="0">
                           <a:solidFill>
                             <a:sysClr val="windowText" lastClr="000000"/>
                           </a:solidFill>
@@ -6621,7 +6367,7 @@
                         </a:rPr>
                         <a:t>Week of Nov 12</a:t>
                       </a:r>
-                      <a:endParaRPr lang="ko-KR" altLang="en-US" sz="1800" dirty="0" smtClean="0">
+                      <a:endParaRPr lang="ko-KR" altLang="en-US" sz="1800" dirty="0">
                         <a:solidFill>
                           <a:sysClr val="windowText" lastClr="000000"/>
                         </a:solidFill>
@@ -6681,7 +6427,7 @@
                     <a:p>
                       <a:pPr algn="ctr" latinLnBrk="1"/>
                       <a:r>
-                        <a:rPr lang="en-US" altLang="ko-KR" dirty="0" smtClean="0">
+                        <a:rPr lang="en-US" altLang="ko-KR" dirty="0">
                           <a:latin typeface="나눔고딕 ExtraBold" panose="020D0904000000000000" pitchFamily="50" charset="-127"/>
                           <a:ea typeface="나눔고딕 ExtraBold" panose="020D0904000000000000" pitchFamily="50" charset="-127"/>
                         </a:rPr>
@@ -6737,6 +6483,11 @@
                     </a:solidFill>
                   </a:tcPr>
                 </a:tc>
+                <a:extLst>
+                  <a:ext uri="{0D108BD9-81ED-4DB2-BD59-A6C34878D82A}">
+                    <a16:rowId xmlns:a16="http://schemas.microsoft.com/office/drawing/2014/main" val="10001"/>
+                  </a:ext>
+                </a:extLst>
               </a:tr>
               <a:tr h="370840">
                 <a:tc>
@@ -6762,7 +6513,7 @@
                         <a:defRPr/>
                       </a:pPr>
                       <a:r>
-                        <a:rPr lang="en-US" altLang="ko-KR" sz="1800" dirty="0" smtClean="0">
+                        <a:rPr lang="en-US" altLang="ko-KR" sz="1800" dirty="0">
                           <a:solidFill>
                             <a:sysClr val="windowText" lastClr="000000"/>
                           </a:solidFill>
@@ -6771,7 +6522,7 @@
                         </a:rPr>
                         <a:t>Week of Oct 15</a:t>
                       </a:r>
-                      <a:endParaRPr lang="ko-KR" altLang="en-US" sz="1800" dirty="0" smtClean="0">
+                      <a:endParaRPr lang="ko-KR" altLang="en-US" sz="1800" dirty="0">
                         <a:solidFill>
                           <a:sysClr val="windowText" lastClr="000000"/>
                         </a:solidFill>
@@ -6831,7 +6582,7 @@
                     <a:p>
                       <a:pPr algn="ctr" latinLnBrk="1"/>
                       <a:r>
-                        <a:rPr lang="en-US" altLang="ko-KR" dirty="0" smtClean="0">
+                        <a:rPr lang="en-US" altLang="ko-KR" dirty="0">
                           <a:latin typeface="나눔고딕 ExtraBold" panose="020D0904000000000000" pitchFamily="50" charset="-127"/>
                           <a:ea typeface="나눔고딕 ExtraBold" panose="020D0904000000000000" pitchFamily="50" charset="-127"/>
                         </a:rPr>
@@ -6910,7 +6661,7 @@
                         <a:defRPr/>
                       </a:pPr>
                       <a:r>
-                        <a:rPr lang="en-US" altLang="ko-KR" sz="1800" dirty="0" smtClean="0">
+                        <a:rPr lang="en-US" altLang="ko-KR" sz="1800" dirty="0">
                           <a:solidFill>
                             <a:sysClr val="windowText" lastClr="000000"/>
                           </a:solidFill>
@@ -6919,7 +6670,7 @@
                         </a:rPr>
                         <a:t>Week of Nov 19</a:t>
                       </a:r>
-                      <a:endParaRPr lang="ko-KR" altLang="en-US" sz="1800" dirty="0" smtClean="0">
+                      <a:endParaRPr lang="ko-KR" altLang="en-US" sz="1800" dirty="0">
                         <a:solidFill>
                           <a:sysClr val="windowText" lastClr="000000"/>
                         </a:solidFill>
@@ -6979,7 +6730,7 @@
                     <a:p>
                       <a:pPr algn="ctr" latinLnBrk="1"/>
                       <a:r>
-                        <a:rPr lang="en-US" altLang="ko-KR" dirty="0" smtClean="0">
+                        <a:rPr lang="en-US" altLang="ko-KR" dirty="0">
                           <a:latin typeface="나눔고딕 ExtraBold" panose="020D0904000000000000" pitchFamily="50" charset="-127"/>
                           <a:ea typeface="나눔고딕 ExtraBold" panose="020D0904000000000000" pitchFamily="50" charset="-127"/>
                         </a:rPr>
@@ -7035,6 +6786,11 @@
                     </a:solidFill>
                   </a:tcPr>
                 </a:tc>
+                <a:extLst>
+                  <a:ext uri="{0D108BD9-81ED-4DB2-BD59-A6C34878D82A}">
+                    <a16:rowId xmlns:a16="http://schemas.microsoft.com/office/drawing/2014/main" val="10002"/>
+                  </a:ext>
+                </a:extLst>
               </a:tr>
               <a:tr h="370840">
                 <a:tc>
@@ -7060,7 +6816,7 @@
                         <a:defRPr/>
                       </a:pPr>
                       <a:r>
-                        <a:rPr lang="en-US" altLang="ko-KR" sz="1800" dirty="0" smtClean="0">
+                        <a:rPr lang="en-US" altLang="ko-KR" sz="1800" dirty="0">
                           <a:solidFill>
                             <a:sysClr val="windowText" lastClr="000000"/>
                           </a:solidFill>
@@ -7069,7 +6825,7 @@
                         </a:rPr>
                         <a:t>Week of Oct 22</a:t>
                       </a:r>
-                      <a:endParaRPr lang="ko-KR" altLang="en-US" sz="1800" dirty="0" smtClean="0">
+                      <a:endParaRPr lang="ko-KR" altLang="en-US" sz="1800" dirty="0">
                         <a:solidFill>
                           <a:sysClr val="windowText" lastClr="000000"/>
                         </a:solidFill>
@@ -7129,7 +6885,7 @@
                     <a:p>
                       <a:pPr algn="ctr" latinLnBrk="1"/>
                       <a:r>
-                        <a:rPr lang="en-US" altLang="ko-KR" dirty="0" smtClean="0">
+                        <a:rPr lang="en-US" altLang="ko-KR" dirty="0">
                           <a:latin typeface="나눔고딕 ExtraBold" panose="020D0904000000000000" pitchFamily="50" charset="-127"/>
                           <a:ea typeface="나눔고딕 ExtraBold" panose="020D0904000000000000" pitchFamily="50" charset="-127"/>
                         </a:rPr>
@@ -7208,7 +6964,7 @@
                         <a:defRPr/>
                       </a:pPr>
                       <a:r>
-                        <a:rPr lang="en-US" altLang="ko-KR" sz="1800" dirty="0" smtClean="0">
+                        <a:rPr lang="en-US" altLang="ko-KR" sz="1800" dirty="0">
                           <a:solidFill>
                             <a:sysClr val="windowText" lastClr="000000"/>
                           </a:solidFill>
@@ -7217,7 +6973,7 @@
                         </a:rPr>
                         <a:t>Week of Nov 26</a:t>
                       </a:r>
-                      <a:endParaRPr lang="ko-KR" altLang="en-US" sz="1800" dirty="0" smtClean="0">
+                      <a:endParaRPr lang="ko-KR" altLang="en-US" sz="1800" dirty="0">
                         <a:solidFill>
                           <a:sysClr val="windowText" lastClr="000000"/>
                         </a:solidFill>
@@ -7277,7 +7033,7 @@
                     <a:p>
                       <a:pPr algn="ctr" latinLnBrk="1"/>
                       <a:r>
-                        <a:rPr lang="en-US" altLang="ko-KR" dirty="0" smtClean="0">
+                        <a:rPr lang="en-US" altLang="ko-KR" dirty="0">
                           <a:latin typeface="나눔고딕 ExtraBold" panose="020D0904000000000000" pitchFamily="50" charset="-127"/>
                           <a:ea typeface="나눔고딕 ExtraBold" panose="020D0904000000000000" pitchFamily="50" charset="-127"/>
                         </a:rPr>
@@ -7333,6 +7089,11 @@
                     </a:solidFill>
                   </a:tcPr>
                 </a:tc>
+                <a:extLst>
+                  <a:ext uri="{0D108BD9-81ED-4DB2-BD59-A6C34878D82A}">
+                    <a16:rowId xmlns:a16="http://schemas.microsoft.com/office/drawing/2014/main" val="10003"/>
+                  </a:ext>
+                </a:extLst>
               </a:tr>
               <a:tr h="370840">
                 <a:tc>
@@ -7358,7 +7119,7 @@
                         <a:defRPr/>
                       </a:pPr>
                       <a:r>
-                        <a:rPr lang="en-US" altLang="ko-KR" sz="1800" dirty="0" smtClean="0">
+                        <a:rPr lang="en-US" altLang="ko-KR" sz="1800" dirty="0">
                           <a:solidFill>
                             <a:sysClr val="windowText" lastClr="000000"/>
                           </a:solidFill>
@@ -7367,7 +7128,7 @@
                         </a:rPr>
                         <a:t>Week of Oct 29</a:t>
                       </a:r>
-                      <a:endParaRPr lang="ko-KR" altLang="en-US" sz="1800" dirty="0" smtClean="0">
+                      <a:endParaRPr lang="ko-KR" altLang="en-US" sz="1800" dirty="0">
                         <a:solidFill>
                           <a:sysClr val="windowText" lastClr="000000"/>
                         </a:solidFill>
@@ -7427,7 +7188,7 @@
                     <a:p>
                       <a:pPr algn="ctr" latinLnBrk="1"/>
                       <a:r>
-                        <a:rPr lang="en-US" altLang="ko-KR" dirty="0" smtClean="0">
+                        <a:rPr lang="en-US" altLang="ko-KR" dirty="0">
                           <a:latin typeface="나눔고딕 ExtraBold" panose="020D0904000000000000" pitchFamily="50" charset="-127"/>
                           <a:ea typeface="나눔고딕 ExtraBold" panose="020D0904000000000000" pitchFamily="50" charset="-127"/>
                         </a:rPr>
@@ -7506,7 +7267,7 @@
                         <a:defRPr/>
                       </a:pPr>
                       <a:r>
-                        <a:rPr lang="en-US" altLang="ko-KR" sz="1800" dirty="0" smtClean="0">
+                        <a:rPr lang="en-US" altLang="ko-KR" sz="1800" dirty="0">
                           <a:solidFill>
                             <a:sysClr val="windowText" lastClr="000000"/>
                           </a:solidFill>
@@ -7516,7 +7277,7 @@
                         <a:t>Week of Dec</a:t>
                       </a:r>
                       <a:r>
-                        <a:rPr lang="en-US" altLang="ko-KR" sz="1800" baseline="0" dirty="0" smtClean="0">
+                        <a:rPr lang="en-US" altLang="ko-KR" sz="1800" baseline="0" dirty="0">
                           <a:solidFill>
                             <a:sysClr val="windowText" lastClr="000000"/>
                           </a:solidFill>
@@ -7525,7 +7286,7 @@
                         </a:rPr>
                         <a:t> 3</a:t>
                       </a:r>
-                      <a:endParaRPr lang="ko-KR" altLang="en-US" sz="1800" dirty="0" smtClean="0">
+                      <a:endParaRPr lang="ko-KR" altLang="en-US" sz="1800" dirty="0">
                         <a:solidFill>
                           <a:sysClr val="windowText" lastClr="000000"/>
                         </a:solidFill>
@@ -7585,11 +7346,11 @@
                     <a:p>
                       <a:pPr algn="ctr" latinLnBrk="1"/>
                       <a:r>
-                        <a:rPr lang="en-US" altLang="ko-KR" dirty="0" smtClean="0">
-                          <a:latin typeface="나눔고딕 ExtraBold" panose="020D0904000000000000" pitchFamily="50" charset="-127"/>
-                          <a:ea typeface="나눔고딕 ExtraBold" panose="020D0904000000000000" pitchFamily="50" charset="-127"/>
-                        </a:rPr>
-                        <a:t>26</a:t>
+                        <a:rPr lang="en-US" altLang="ko-KR" dirty="0">
+                          <a:latin typeface="나눔고딕 ExtraBold" panose="020D0904000000000000" pitchFamily="50" charset="-127"/>
+                          <a:ea typeface="나눔고딕 ExtraBold" panose="020D0904000000000000" pitchFamily="50" charset="-127"/>
+                        </a:rPr>
+                        <a:t>33</a:t>
                       </a:r>
                       <a:endParaRPr lang="ko-KR" altLang="en-US" dirty="0">
                         <a:latin typeface="나눔고딕 ExtraBold" panose="020D0904000000000000" pitchFamily="50" charset="-127"/>
@@ -7641,6 +7402,11 @@
                     </a:solidFill>
                   </a:tcPr>
                 </a:tc>
+                <a:extLst>
+                  <a:ext uri="{0D108BD9-81ED-4DB2-BD59-A6C34878D82A}">
+                    <a16:rowId xmlns:a16="http://schemas.microsoft.com/office/drawing/2014/main" val="10004"/>
+                  </a:ext>
+                </a:extLst>
               </a:tr>
               <a:tr h="370840">
                 <a:tc>
@@ -7666,7 +7432,7 @@
                         <a:defRPr/>
                       </a:pPr>
                       <a:r>
-                        <a:rPr lang="en-US" altLang="ko-KR" sz="1800" dirty="0" smtClean="0">
+                        <a:rPr lang="en-US" altLang="ko-KR" sz="1800" dirty="0">
                           <a:solidFill>
                             <a:sysClr val="windowText" lastClr="000000"/>
                           </a:solidFill>
@@ -7675,7 +7441,7 @@
                         </a:rPr>
                         <a:t>Week of Nov 5</a:t>
                       </a:r>
-                      <a:endParaRPr lang="ko-KR" altLang="en-US" sz="1800" dirty="0" smtClean="0">
+                      <a:endParaRPr lang="ko-KR" altLang="en-US" sz="1800" dirty="0">
                         <a:solidFill>
                           <a:sysClr val="windowText" lastClr="000000"/>
                         </a:solidFill>
@@ -7735,7 +7501,7 @@
                     <a:p>
                       <a:pPr algn="ctr" latinLnBrk="1"/>
                       <a:r>
-                        <a:rPr lang="en-US" altLang="ko-KR" dirty="0" smtClean="0">
+                        <a:rPr lang="en-US" altLang="ko-KR" dirty="0">
                           <a:latin typeface="나눔고딕 ExtraBold" panose="020D0904000000000000" pitchFamily="50" charset="-127"/>
                           <a:ea typeface="나눔고딕 ExtraBold" panose="020D0904000000000000" pitchFamily="50" charset="-127"/>
                         </a:rPr>
@@ -7903,6 +7669,11 @@
                     </a:solidFill>
                   </a:tcPr>
                 </a:tc>
+                <a:extLst>
+                  <a:ext uri="{0D108BD9-81ED-4DB2-BD59-A6C34878D82A}">
+                    <a16:rowId xmlns:a16="http://schemas.microsoft.com/office/drawing/2014/main" val="10005"/>
+                  </a:ext>
+                </a:extLst>
               </a:tr>
             </a:tbl>
           </a:graphicData>
@@ -7913,7 +7684,7 @@
           <p:cNvPr id="22" name="TextBox 21">
             <a:extLst>
               <a:ext uri="{FF2B5EF4-FFF2-40B4-BE49-F238E27FC236}">
-                <a16:creationId xmlns="" xmlns:a16="http://schemas.microsoft.com/office/drawing/2014/main" id="{B6956878-ABEC-AF9A-D2CE-3CA826B6E387}"/>
+                <a16:creationId xmlns:a16="http://schemas.microsoft.com/office/drawing/2014/main" id="{B6956878-ABEC-AF9A-D2CE-3CA826B6E387}"/>
               </a:ext>
             </a:extLst>
           </p:cNvPr>
@@ -7991,7 +7762,7 @@
           <p:cNvPr id="23" name="직선 연결선 22">
             <a:extLst>
               <a:ext uri="{FF2B5EF4-FFF2-40B4-BE49-F238E27FC236}">
-                <a16:creationId xmlns="" xmlns:a16="http://schemas.microsoft.com/office/drawing/2014/main" id="{AA083F78-7EAC-088E-92A6-2CCA7C19FAAA}"/>
+                <a16:creationId xmlns:a16="http://schemas.microsoft.com/office/drawing/2014/main" id="{AA083F78-7EAC-088E-92A6-2CCA7C19FAAA}"/>
               </a:ext>
             </a:extLst>
           </p:cNvPr>
@@ -8085,6 +7856,203 @@
           </a:p>
         </p:txBody>
       </p:sp>
+      <p:pic>
+        <p:nvPicPr>
+          <p:cNvPr id="3" name="그림 2">
+            <a:extLst>
+              <a:ext uri="{FF2B5EF4-FFF2-40B4-BE49-F238E27FC236}">
+                <a16:creationId xmlns:a16="http://schemas.microsoft.com/office/drawing/2014/main" id="{5D6DE4C9-9282-9D84-F5D0-A3F938BAAE2F}"/>
+              </a:ext>
+            </a:extLst>
+          </p:cNvPr>
+          <p:cNvPicPr>
+            <a:picLocks noChangeAspect="1"/>
+          </p:cNvPicPr>
+          <p:nvPr/>
+        </p:nvPicPr>
+        <p:blipFill>
+          <a:blip r:embed="rId2"/>
+          <a:stretch>
+            <a:fillRect/>
+          </a:stretch>
+        </p:blipFill>
+        <p:spPr>
+          <a:xfrm>
+            <a:off x="68089" y="2006707"/>
+            <a:ext cx="8464731" cy="1631078"/>
+          </a:xfrm>
+          <a:prstGeom prst="rect">
+            <a:avLst/>
+          </a:prstGeom>
+        </p:spPr>
+      </p:pic>
+      <p:sp>
+        <p:nvSpPr>
+          <p:cNvPr id="11" name="모서리가 둥근 직사각형 10"/>
+          <p:cNvSpPr/>
+          <p:nvPr/>
+        </p:nvSpPr>
+        <p:spPr>
+          <a:xfrm>
+            <a:off x="7150019" y="2619639"/>
+            <a:ext cx="1136822" cy="1062681"/>
+          </a:xfrm>
+          <a:prstGeom prst="roundRect">
+            <a:avLst/>
+          </a:prstGeom>
+          <a:noFill/>
+          <a:ln w="57150">
+            <a:solidFill>
+              <a:srgbClr val="C00000"/>
+            </a:solidFill>
+          </a:ln>
+        </p:spPr>
+        <p:style>
+          <a:lnRef idx="2">
+            <a:schemeClr val="accent1">
+              <a:shade val="50000"/>
+            </a:schemeClr>
+          </a:lnRef>
+          <a:fillRef idx="1">
+            <a:schemeClr val="accent1"/>
+          </a:fillRef>
+          <a:effectRef idx="0">
+            <a:schemeClr val="accent1"/>
+          </a:effectRef>
+          <a:fontRef idx="minor">
+            <a:schemeClr val="lt1"/>
+          </a:fontRef>
+        </p:style>
+        <p:txBody>
+          <a:bodyPr rtlCol="0" anchor="ctr"/>
+          <a:lstStyle/>
+          <a:p>
+            <a:pPr algn="ctr"/>
+            <a:endParaRPr lang="ko-KR" altLang="en-US">
+              <a:latin typeface="나눔고딕 ExtraBold" panose="020D0904000000000000" pitchFamily="50" charset="-127"/>
+              <a:ea typeface="나눔고딕 ExtraBold" panose="020D0904000000000000" pitchFamily="50" charset="-127"/>
+            </a:endParaRPr>
+          </a:p>
+        </p:txBody>
+      </p:sp>
+      <p:pic>
+        <p:nvPicPr>
+          <p:cNvPr id="6" name="그림 5">
+            <a:extLst>
+              <a:ext uri="{FF2B5EF4-FFF2-40B4-BE49-F238E27FC236}">
+                <a16:creationId xmlns:a16="http://schemas.microsoft.com/office/drawing/2014/main" id="{B98AC895-E312-618E-03C3-249192568568}"/>
+              </a:ext>
+            </a:extLst>
+          </p:cNvPr>
+          <p:cNvPicPr>
+            <a:picLocks noChangeAspect="1"/>
+          </p:cNvPicPr>
+          <p:nvPr/>
+        </p:nvPicPr>
+        <p:blipFill rotWithShape="1">
+          <a:blip r:embed="rId2"/>
+          <a:srcRect l="84154" t="38166" r="2072" b="2832"/>
+          <a:stretch/>
+        </p:blipFill>
+        <p:spPr>
+          <a:xfrm>
+            <a:off x="9014826" y="1807934"/>
+            <a:ext cx="2680638" cy="2212546"/>
+          </a:xfrm>
+          <a:prstGeom prst="rect">
+            <a:avLst/>
+          </a:prstGeom>
+        </p:spPr>
+      </p:pic>
+      <p:sp>
+        <p:nvSpPr>
+          <p:cNvPr id="15" name="모서리가 둥근 직사각형 14"/>
+          <p:cNvSpPr/>
+          <p:nvPr/>
+        </p:nvSpPr>
+        <p:spPr>
+          <a:xfrm>
+            <a:off x="9105054" y="2114495"/>
+            <a:ext cx="2500182" cy="1758778"/>
+          </a:xfrm>
+          <a:prstGeom prst="roundRect">
+            <a:avLst/>
+          </a:prstGeom>
+          <a:noFill/>
+          <a:ln w="57150">
+            <a:solidFill>
+              <a:schemeClr val="accent1">
+                <a:lumMod val="50000"/>
+              </a:schemeClr>
+            </a:solidFill>
+          </a:ln>
+        </p:spPr>
+        <p:style>
+          <a:lnRef idx="2">
+            <a:schemeClr val="accent1">
+              <a:shade val="50000"/>
+            </a:schemeClr>
+          </a:lnRef>
+          <a:fillRef idx="1">
+            <a:schemeClr val="accent1"/>
+          </a:fillRef>
+          <a:effectRef idx="0">
+            <a:schemeClr val="accent1"/>
+          </a:effectRef>
+          <a:fontRef idx="minor">
+            <a:schemeClr val="lt1"/>
+          </a:fontRef>
+        </p:style>
+        <p:txBody>
+          <a:bodyPr rtlCol="0" anchor="ctr"/>
+          <a:lstStyle/>
+          <a:p>
+            <a:pPr algn="ctr"/>
+            <a:endParaRPr lang="ko-KR" altLang="en-US">
+              <a:latin typeface="나눔고딕 ExtraBold" panose="020D0904000000000000" pitchFamily="50" charset="-127"/>
+              <a:ea typeface="나눔고딕 ExtraBold" panose="020D0904000000000000" pitchFamily="50" charset="-127"/>
+            </a:endParaRPr>
+          </a:p>
+        </p:txBody>
+      </p:sp>
+      <p:cxnSp>
+        <p:nvCxnSpPr>
+          <p:cNvPr id="13" name="직선 화살표 연결선 12"/>
+          <p:cNvCxnSpPr>
+            <a:stCxn id="11" idx="3"/>
+          </p:cNvCxnSpPr>
+          <p:nvPr/>
+        </p:nvCxnSpPr>
+        <p:spPr>
+          <a:xfrm flipV="1">
+            <a:off x="8286841" y="2993885"/>
+            <a:ext cx="1155029" cy="157095"/>
+          </a:xfrm>
+          <a:prstGeom prst="straightConnector1">
+            <a:avLst/>
+          </a:prstGeom>
+          <a:ln w="57150">
+            <a:solidFill>
+              <a:srgbClr val="C00000"/>
+            </a:solidFill>
+            <a:tailEnd type="triangle"/>
+          </a:ln>
+        </p:spPr>
+        <p:style>
+          <a:lnRef idx="1">
+            <a:schemeClr val="accent1"/>
+          </a:lnRef>
+          <a:fillRef idx="0">
+            <a:schemeClr val="accent1"/>
+          </a:fillRef>
+          <a:effectRef idx="0">
+            <a:schemeClr val="accent1"/>
+          </a:effectRef>
+          <a:fontRef idx="minor">
+            <a:schemeClr val="tx1"/>
+          </a:fontRef>
+        </p:style>
+      </p:cxnSp>
     </p:spTree>
     <p:extLst>
       <p:ext uri="{BB962C8B-B14F-4D97-AF65-F5344CB8AC3E}">
@@ -8095,13 +8063,6 @@
   <p:clrMapOvr>
     <a:masterClrMapping/>
   </p:clrMapOvr>
-  <p:timing>
-    <p:tnLst>
-      <p:par>
-        <p:cTn id="1" dur="indefinite" restart="never" nodeType="tmRoot"/>
-      </p:par>
-    </p:tnLst>
-  </p:timing>
 </p:sld>
 </file>
 
@@ -8135,7 +8096,7 @@
           <p:cNvPr id="4" name="TextBox 3">
             <a:extLst>
               <a:ext uri="{FF2B5EF4-FFF2-40B4-BE49-F238E27FC236}">
-                <a16:creationId xmlns="" xmlns:a16="http://schemas.microsoft.com/office/drawing/2014/main" id="{B6956878-ABEC-AF9A-D2CE-3CA826B6E387}"/>
+                <a16:creationId xmlns:a16="http://schemas.microsoft.com/office/drawing/2014/main" id="{B6956878-ABEC-AF9A-D2CE-3CA826B6E387}"/>
               </a:ext>
             </a:extLst>
           </p:cNvPr>
@@ -8159,7 +8120,7 @@
           <a:lstStyle/>
           <a:p>
             <a:r>
-              <a:rPr lang="ko-KR" altLang="en-US" sz="6600" b="1" spc="-150" dirty="0" smtClean="0">
+              <a:rPr lang="ko-KR" altLang="en-US" sz="6600" b="1" spc="-150" dirty="0">
                 <a:solidFill>
                   <a:schemeClr val="bg1"/>
                 </a:solidFill>
@@ -8183,7 +8144,7 @@
           <p:cNvPr id="6" name="직선 연결선 5">
             <a:extLst>
               <a:ext uri="{FF2B5EF4-FFF2-40B4-BE49-F238E27FC236}">
-                <a16:creationId xmlns="" xmlns:a16="http://schemas.microsoft.com/office/drawing/2014/main" id="{AA083F78-7EAC-088E-92A6-2CCA7C19FAAA}"/>
+                <a16:creationId xmlns:a16="http://schemas.microsoft.com/office/drawing/2014/main" id="{AA083F78-7EAC-088E-92A6-2CCA7C19FAAA}"/>
               </a:ext>
             </a:extLst>
           </p:cNvPr>
@@ -8277,13 +8238,6 @@
   <p:clrMapOvr>
     <a:masterClrMapping/>
   </p:clrMapOvr>
-  <p:timing>
-    <p:tnLst>
-      <p:par>
-        <p:cTn id="1" dur="indefinite" restart="never" nodeType="tmRoot"/>
-      </p:par>
-    </p:tnLst>
-  </p:timing>
 </p:sld>
 </file>
 

--- a/PPT/2DGP 3차 발표.pptx
+++ b/PPT/2DGP 3차 발표.pptx
@@ -2964,7 +2964,7 @@
           <p:cNvPr id="4" name="TextBox 3">
             <a:extLst>
               <a:ext uri="{FF2B5EF4-FFF2-40B4-BE49-F238E27FC236}">
-                <a16:creationId xmlns:a16="http://schemas.microsoft.com/office/drawing/2014/main" id="{B6956878-ABEC-AF9A-D2CE-3CA826B6E387}"/>
+                <a16:creationId xmlns:a16="http://schemas.microsoft.com/office/drawing/2014/main" xmlns="" id="{B6956878-ABEC-AF9A-D2CE-3CA826B6E387}"/>
               </a:ext>
             </a:extLst>
           </p:cNvPr>
@@ -3057,7 +3057,7 @@
           <p:cNvPr id="5" name="TextBox 4">
             <a:extLst>
               <a:ext uri="{FF2B5EF4-FFF2-40B4-BE49-F238E27FC236}">
-                <a16:creationId xmlns:a16="http://schemas.microsoft.com/office/drawing/2014/main" id="{B1BEB93D-E860-DD72-63D2-BA2ACD126D65}"/>
+                <a16:creationId xmlns:a16="http://schemas.microsoft.com/office/drawing/2014/main" xmlns="" id="{B1BEB93D-E860-DD72-63D2-BA2ACD126D65}"/>
               </a:ext>
             </a:extLst>
           </p:cNvPr>
@@ -3110,7 +3110,7 @@
           <p:cNvPr id="6" name="직선 연결선 5">
             <a:extLst>
               <a:ext uri="{FF2B5EF4-FFF2-40B4-BE49-F238E27FC236}">
-                <a16:creationId xmlns:a16="http://schemas.microsoft.com/office/drawing/2014/main" id="{AA083F78-7EAC-088E-92A6-2CCA7C19FAAA}"/>
+                <a16:creationId xmlns:a16="http://schemas.microsoft.com/office/drawing/2014/main" xmlns="" id="{AA083F78-7EAC-088E-92A6-2CCA7C19FAAA}"/>
               </a:ext>
             </a:extLst>
           </p:cNvPr>
@@ -3208,6 +3208,13 @@
   <p:clrMapOvr>
     <a:masterClrMapping/>
   </p:clrMapOvr>
+  <p:timing>
+    <p:tnLst>
+      <p:par>
+        <p:cTn id="1" dur="indefinite" restart="never" nodeType="tmRoot"/>
+      </p:par>
+    </p:tnLst>
+  </p:timing>
 </p:sld>
 </file>
 
@@ -3241,7 +3248,7 @@
           <p:cNvPr id="4" name="TextBox 3">
             <a:extLst>
               <a:ext uri="{FF2B5EF4-FFF2-40B4-BE49-F238E27FC236}">
-                <a16:creationId xmlns:a16="http://schemas.microsoft.com/office/drawing/2014/main" id="{B6956878-ABEC-AF9A-D2CE-3CA826B6E387}"/>
+                <a16:creationId xmlns:a16="http://schemas.microsoft.com/office/drawing/2014/main" xmlns="" id="{B6956878-ABEC-AF9A-D2CE-3CA826B6E387}"/>
               </a:ext>
             </a:extLst>
           </p:cNvPr>
@@ -3289,7 +3296,7 @@
           <p:cNvPr id="6" name="직선 연결선 5">
             <a:extLst>
               <a:ext uri="{FF2B5EF4-FFF2-40B4-BE49-F238E27FC236}">
-                <a16:creationId xmlns:a16="http://schemas.microsoft.com/office/drawing/2014/main" id="{AA083F78-7EAC-088E-92A6-2CCA7C19FAAA}"/>
+                <a16:creationId xmlns:a16="http://schemas.microsoft.com/office/drawing/2014/main" xmlns="" id="{AA083F78-7EAC-088E-92A6-2CCA7C19FAAA}"/>
               </a:ext>
             </a:extLst>
           </p:cNvPr>
@@ -3392,14 +3399,14 @@
           <p:nvPr>
             <p:extLst>
               <p:ext uri="{D42A27DB-BD31-4B8C-83A1-F6EECF244321}">
-                <p14:modId xmlns:p14="http://schemas.microsoft.com/office/powerpoint/2010/main" val="424862360"/>
+                <p14:modId xmlns:p14="http://schemas.microsoft.com/office/powerpoint/2010/main" val="856393897"/>
               </p:ext>
             </p:extLst>
           </p:nvPr>
         </p:nvGraphicFramePr>
         <p:xfrm>
           <a:off x="179377" y="1197460"/>
-          <a:ext cx="11452450" cy="5492631"/>
+          <a:ext cx="11452450" cy="5638577"/>
         </p:xfrm>
         <a:graphic>
           <a:graphicData uri="http://schemas.openxmlformats.org/drawingml/2006/table">
@@ -3411,28 +3418,28 @@
                 <a:gridCol w="1470035">
                   <a:extLst>
                     <a:ext uri="{9D8B030D-6E8A-4147-A177-3AD203B41FA5}">
-                      <a16:colId xmlns:a16="http://schemas.microsoft.com/office/drawing/2014/main" val="20000"/>
+                      <a16:colId xmlns:a16="http://schemas.microsoft.com/office/drawing/2014/main" xmlns="" val="20000"/>
                     </a:ext>
                   </a:extLst>
                 </a:gridCol>
                 <a:gridCol w="4256190">
                   <a:extLst>
                     <a:ext uri="{9D8B030D-6E8A-4147-A177-3AD203B41FA5}">
-                      <a16:colId xmlns:a16="http://schemas.microsoft.com/office/drawing/2014/main" val="20001"/>
+                      <a16:colId xmlns:a16="http://schemas.microsoft.com/office/drawing/2014/main" xmlns="" val="20001"/>
                     </a:ext>
                   </a:extLst>
                 </a:gridCol>
                 <a:gridCol w="4752721">
                   <a:extLst>
                     <a:ext uri="{9D8B030D-6E8A-4147-A177-3AD203B41FA5}">
-                      <a16:colId xmlns:a16="http://schemas.microsoft.com/office/drawing/2014/main" val="20002"/>
+                      <a16:colId xmlns:a16="http://schemas.microsoft.com/office/drawing/2014/main" xmlns="" val="20002"/>
                     </a:ext>
                   </a:extLst>
                 </a:gridCol>
                 <a:gridCol w="973504">
                   <a:extLst>
                     <a:ext uri="{9D8B030D-6E8A-4147-A177-3AD203B41FA5}">
-                      <a16:colId xmlns:a16="http://schemas.microsoft.com/office/drawing/2014/main" val="20003"/>
+                      <a16:colId xmlns:a16="http://schemas.microsoft.com/office/drawing/2014/main" xmlns="" val="20003"/>
                     </a:ext>
                   </a:extLst>
                 </a:gridCol>
@@ -3680,7 +3687,7 @@
                 </a:tc>
                 <a:extLst>
                   <a:ext uri="{0D108BD9-81ED-4DB2-BD59-A6C34878D82A}">
-                    <a16:rowId xmlns:a16="http://schemas.microsoft.com/office/drawing/2014/main" val="10000"/>
+                    <a16:rowId xmlns:a16="http://schemas.microsoft.com/office/drawing/2014/main" xmlns="" val="10000"/>
                   </a:ext>
                 </a:extLst>
               </a:tr>
@@ -3806,7 +3813,31 @@
                           <a:latin typeface="나눔고딕 ExtraBold" panose="020D0904000000000000" pitchFamily="50" charset="-127"/>
                           <a:ea typeface="나눔고딕 ExtraBold" panose="020D0904000000000000" pitchFamily="50" charset="-127"/>
                         </a:rPr>
-                        <a:t>버튼 제작</a:t>
+                        <a:t>버튼 </a:t>
+                      </a:r>
+                      <a:r>
+                        <a:rPr lang="ko-KR" altLang="en-US" sz="1200" dirty="0" smtClean="0">
+                          <a:latin typeface="나눔고딕 ExtraBold" panose="020D0904000000000000" pitchFamily="50" charset="-127"/>
+                          <a:ea typeface="나눔고딕 ExtraBold" panose="020D0904000000000000" pitchFamily="50" charset="-127"/>
+                        </a:rPr>
+                        <a:t>제작</a:t>
+                      </a:r>
+                      <a:endParaRPr lang="en-US" altLang="ko-KR" sz="1200" dirty="0" smtClean="0">
+                        <a:latin typeface="나눔고딕 ExtraBold" panose="020D0904000000000000" pitchFamily="50" charset="-127"/>
+                        <a:ea typeface="나눔고딕 ExtraBold" panose="020D0904000000000000" pitchFamily="50" charset="-127"/>
+                      </a:endParaRPr>
+                    </a:p>
+                    <a:p>
+                      <a:pPr marL="285750" indent="-285750" algn="l" latinLnBrk="1">
+                        <a:buFontTx/>
+                        <a:buChar char="-"/>
+                      </a:pPr>
+                      <a:r>
+                        <a:rPr lang="ko-KR" altLang="en-US" sz="1200" dirty="0" smtClean="0">
+                          <a:latin typeface="나눔고딕 ExtraBold" panose="020D0904000000000000" pitchFamily="50" charset="-127"/>
+                          <a:ea typeface="나눔고딕 ExtraBold" panose="020D0904000000000000" pitchFamily="50" charset="-127"/>
+                        </a:rPr>
+                        <a:t>게임을 전반적으로 관리하는 매니저 구현</a:t>
                       </a:r>
                       <a:endParaRPr lang="en-US" altLang="ko-KR" sz="1200" dirty="0">
                         <a:latin typeface="나눔고딕 ExtraBold" panose="020D0904000000000000" pitchFamily="50" charset="-127"/>
@@ -4000,7 +4031,7 @@
                 </a:tc>
                 <a:extLst>
                   <a:ext uri="{0D108BD9-81ED-4DB2-BD59-A6C34878D82A}">
-                    <a16:rowId xmlns:a16="http://schemas.microsoft.com/office/drawing/2014/main" val="10001"/>
+                    <a16:rowId xmlns:a16="http://schemas.microsoft.com/office/drawing/2014/main" xmlns="" val="10001"/>
                   </a:ext>
                 </a:extLst>
               </a:tr>
@@ -4123,8 +4154,19 @@
                           <a:latin typeface="나눔고딕 ExtraBold" panose="020D0904000000000000" pitchFamily="50" charset="-127"/>
                           <a:ea typeface="나눔고딕 ExtraBold" panose="020D0904000000000000" pitchFamily="50" charset="-127"/>
                         </a:rPr>
-                        <a:t>결과 모드 제작해 결과 확인</a:t>
-                      </a:r>
+                        <a:t>결과 모드 제작해 결과 </a:t>
+                      </a:r>
+                      <a:r>
+                        <a:rPr lang="ko-KR" altLang="en-US" sz="1200" dirty="0" smtClean="0">
+                          <a:latin typeface="나눔고딕 ExtraBold" panose="020D0904000000000000" pitchFamily="50" charset="-127"/>
+                          <a:ea typeface="나눔고딕 ExtraBold" panose="020D0904000000000000" pitchFamily="50" charset="-127"/>
+                        </a:rPr>
+                        <a:t>확인</a:t>
+                      </a:r>
+                      <a:endParaRPr lang="en-US" altLang="ko-KR" sz="1200" dirty="0" smtClean="0">
+                        <a:latin typeface="나눔고딕 ExtraBold" panose="020D0904000000000000" pitchFamily="50" charset="-127"/>
+                        <a:ea typeface="나눔고딕 ExtraBold" panose="020D0904000000000000" pitchFamily="50" charset="-127"/>
+                      </a:endParaRPr>
                     </a:p>
                   </a:txBody>
                   <a:tcPr anchor="ctr">
@@ -4302,7 +4344,7 @@
                 </a:tc>
                 <a:extLst>
                   <a:ext uri="{0D108BD9-81ED-4DB2-BD59-A6C34878D82A}">
-                    <a16:rowId xmlns:a16="http://schemas.microsoft.com/office/drawing/2014/main" val="10002"/>
+                    <a16:rowId xmlns:a16="http://schemas.microsoft.com/office/drawing/2014/main" xmlns="" val="10002"/>
                   </a:ext>
                 </a:extLst>
               </a:tr>
@@ -4556,7 +4598,7 @@
                 </a:tc>
                 <a:extLst>
                   <a:ext uri="{0D108BD9-81ED-4DB2-BD59-A6C34878D82A}">
-                    <a16:rowId xmlns:a16="http://schemas.microsoft.com/office/drawing/2014/main" val="10003"/>
+                    <a16:rowId xmlns:a16="http://schemas.microsoft.com/office/drawing/2014/main" xmlns="" val="10003"/>
                   </a:ext>
                 </a:extLst>
               </a:tr>
@@ -4886,7 +4928,7 @@
                 </a:tc>
                 <a:extLst>
                   <a:ext uri="{0D108BD9-81ED-4DB2-BD59-A6C34878D82A}">
-                    <a16:rowId xmlns:a16="http://schemas.microsoft.com/office/drawing/2014/main" val="10004"/>
+                    <a16:rowId xmlns:a16="http://schemas.microsoft.com/office/drawing/2014/main" xmlns="" val="10004"/>
                   </a:ext>
                 </a:extLst>
               </a:tr>
@@ -5216,7 +5258,7 @@
                 </a:tc>
                 <a:extLst>
                   <a:ext uri="{0D108BD9-81ED-4DB2-BD59-A6C34878D82A}">
-                    <a16:rowId xmlns:a16="http://schemas.microsoft.com/office/drawing/2014/main" val="10005"/>
+                    <a16:rowId xmlns:a16="http://schemas.microsoft.com/office/drawing/2014/main" xmlns="" val="10005"/>
                   </a:ext>
                 </a:extLst>
               </a:tr>
@@ -5517,7 +5559,7 @@
                 </a:tc>
                 <a:extLst>
                   <a:ext uri="{0D108BD9-81ED-4DB2-BD59-A6C34878D82A}">
-                    <a16:rowId xmlns:a16="http://schemas.microsoft.com/office/drawing/2014/main" val="10006"/>
+                    <a16:rowId xmlns:a16="http://schemas.microsoft.com/office/drawing/2014/main" xmlns="" val="10006"/>
                   </a:ext>
                 </a:extLst>
               </a:tr>
@@ -5819,7 +5861,7 @@
                 </a:tc>
                 <a:extLst>
                   <a:ext uri="{0D108BD9-81ED-4DB2-BD59-A6C34878D82A}">
-                    <a16:rowId xmlns:a16="http://schemas.microsoft.com/office/drawing/2014/main" val="10007"/>
+                    <a16:rowId xmlns:a16="http://schemas.microsoft.com/office/drawing/2014/main" xmlns="" val="10007"/>
                   </a:ext>
                 </a:extLst>
               </a:tr>
@@ -5837,6 +5879,13 @@
   <p:clrMapOvr>
     <a:masterClrMapping/>
   </p:clrMapOvr>
+  <p:timing>
+    <p:tnLst>
+      <p:par>
+        <p:cTn id="1" dur="indefinite" restart="never" nodeType="tmRoot"/>
+      </p:par>
+    </p:tnLst>
+  </p:timing>
 </p:sld>
 </file>
 
@@ -5893,28 +5942,28 @@
                 <a:gridCol w="2782076">
                   <a:extLst>
                     <a:ext uri="{9D8B030D-6E8A-4147-A177-3AD203B41FA5}">
-                      <a16:colId xmlns:a16="http://schemas.microsoft.com/office/drawing/2014/main" val="20000"/>
+                      <a16:colId xmlns:a16="http://schemas.microsoft.com/office/drawing/2014/main" xmlns="" val="20000"/>
                     </a:ext>
                   </a:extLst>
                 </a:gridCol>
                 <a:gridCol w="2782076">
                   <a:extLst>
                     <a:ext uri="{9D8B030D-6E8A-4147-A177-3AD203B41FA5}">
-                      <a16:colId xmlns:a16="http://schemas.microsoft.com/office/drawing/2014/main" val="20001"/>
+                      <a16:colId xmlns:a16="http://schemas.microsoft.com/office/drawing/2014/main" xmlns="" val="20001"/>
                     </a:ext>
                   </a:extLst>
                 </a:gridCol>
                 <a:gridCol w="2782076">
                   <a:extLst>
                     <a:ext uri="{9D8B030D-6E8A-4147-A177-3AD203B41FA5}">
-                      <a16:colId xmlns:a16="http://schemas.microsoft.com/office/drawing/2014/main" val="20002"/>
+                      <a16:colId xmlns:a16="http://schemas.microsoft.com/office/drawing/2014/main" xmlns="" val="20002"/>
                     </a:ext>
                   </a:extLst>
                 </a:gridCol>
                 <a:gridCol w="2782076">
                   <a:extLst>
                     <a:ext uri="{9D8B030D-6E8A-4147-A177-3AD203B41FA5}">
-                      <a16:colId xmlns:a16="http://schemas.microsoft.com/office/drawing/2014/main" val="20003"/>
+                      <a16:colId xmlns:a16="http://schemas.microsoft.com/office/drawing/2014/main" xmlns="" val="20003"/>
                     </a:ext>
                   </a:extLst>
                 </a:gridCol>
@@ -6182,7 +6231,7 @@
                 </a:tc>
                 <a:extLst>
                   <a:ext uri="{0D108BD9-81ED-4DB2-BD59-A6C34878D82A}">
-                    <a16:rowId xmlns:a16="http://schemas.microsoft.com/office/drawing/2014/main" val="10000"/>
+                    <a16:rowId xmlns:a16="http://schemas.microsoft.com/office/drawing/2014/main" xmlns="" val="10000"/>
                   </a:ext>
                 </a:extLst>
               </a:tr>
@@ -6485,7 +6534,7 @@
                 </a:tc>
                 <a:extLst>
                   <a:ext uri="{0D108BD9-81ED-4DB2-BD59-A6C34878D82A}">
-                    <a16:rowId xmlns:a16="http://schemas.microsoft.com/office/drawing/2014/main" val="10001"/>
+                    <a16:rowId xmlns:a16="http://schemas.microsoft.com/office/drawing/2014/main" xmlns="" val="10001"/>
                   </a:ext>
                 </a:extLst>
               </a:tr>
@@ -6788,7 +6837,7 @@
                 </a:tc>
                 <a:extLst>
                   <a:ext uri="{0D108BD9-81ED-4DB2-BD59-A6C34878D82A}">
-                    <a16:rowId xmlns:a16="http://schemas.microsoft.com/office/drawing/2014/main" val="10002"/>
+                    <a16:rowId xmlns:a16="http://schemas.microsoft.com/office/drawing/2014/main" xmlns="" val="10002"/>
                   </a:ext>
                 </a:extLst>
               </a:tr>
@@ -7091,7 +7140,7 @@
                 </a:tc>
                 <a:extLst>
                   <a:ext uri="{0D108BD9-81ED-4DB2-BD59-A6C34878D82A}">
-                    <a16:rowId xmlns:a16="http://schemas.microsoft.com/office/drawing/2014/main" val="10003"/>
+                    <a16:rowId xmlns:a16="http://schemas.microsoft.com/office/drawing/2014/main" xmlns="" val="10003"/>
                   </a:ext>
                 </a:extLst>
               </a:tr>
@@ -7404,7 +7453,7 @@
                 </a:tc>
                 <a:extLst>
                   <a:ext uri="{0D108BD9-81ED-4DB2-BD59-A6C34878D82A}">
-                    <a16:rowId xmlns:a16="http://schemas.microsoft.com/office/drawing/2014/main" val="10004"/>
+                    <a16:rowId xmlns:a16="http://schemas.microsoft.com/office/drawing/2014/main" xmlns="" val="10004"/>
                   </a:ext>
                 </a:extLst>
               </a:tr>
@@ -7671,7 +7720,7 @@
                 </a:tc>
                 <a:extLst>
                   <a:ext uri="{0D108BD9-81ED-4DB2-BD59-A6C34878D82A}">
-                    <a16:rowId xmlns:a16="http://schemas.microsoft.com/office/drawing/2014/main" val="10005"/>
+                    <a16:rowId xmlns:a16="http://schemas.microsoft.com/office/drawing/2014/main" xmlns="" val="10005"/>
                   </a:ext>
                 </a:extLst>
               </a:tr>
@@ -7684,7 +7733,7 @@
           <p:cNvPr id="22" name="TextBox 21">
             <a:extLst>
               <a:ext uri="{FF2B5EF4-FFF2-40B4-BE49-F238E27FC236}">
-                <a16:creationId xmlns:a16="http://schemas.microsoft.com/office/drawing/2014/main" id="{B6956878-ABEC-AF9A-D2CE-3CA826B6E387}"/>
+                <a16:creationId xmlns:a16="http://schemas.microsoft.com/office/drawing/2014/main" xmlns="" id="{B6956878-ABEC-AF9A-D2CE-3CA826B6E387}"/>
               </a:ext>
             </a:extLst>
           </p:cNvPr>
@@ -7762,7 +7811,7 @@
           <p:cNvPr id="23" name="직선 연결선 22">
             <a:extLst>
               <a:ext uri="{FF2B5EF4-FFF2-40B4-BE49-F238E27FC236}">
-                <a16:creationId xmlns:a16="http://schemas.microsoft.com/office/drawing/2014/main" id="{AA083F78-7EAC-088E-92A6-2CCA7C19FAAA}"/>
+                <a16:creationId xmlns:a16="http://schemas.microsoft.com/office/drawing/2014/main" xmlns="" id="{AA083F78-7EAC-088E-92A6-2CCA7C19FAAA}"/>
               </a:ext>
             </a:extLst>
           </p:cNvPr>
@@ -7861,7 +7910,7 @@
           <p:cNvPr id="3" name="그림 2">
             <a:extLst>
               <a:ext uri="{FF2B5EF4-FFF2-40B4-BE49-F238E27FC236}">
-                <a16:creationId xmlns:a16="http://schemas.microsoft.com/office/drawing/2014/main" id="{5D6DE4C9-9282-9D84-F5D0-A3F938BAAE2F}"/>
+                <a16:creationId xmlns:a16="http://schemas.microsoft.com/office/drawing/2014/main" xmlns="" id="{5D6DE4C9-9282-9D84-F5D0-A3F938BAAE2F}"/>
               </a:ext>
             </a:extLst>
           </p:cNvPr>
@@ -7940,7 +7989,7 @@
           <p:cNvPr id="6" name="그림 5">
             <a:extLst>
               <a:ext uri="{FF2B5EF4-FFF2-40B4-BE49-F238E27FC236}">
-                <a16:creationId xmlns:a16="http://schemas.microsoft.com/office/drawing/2014/main" id="{B98AC895-E312-618E-03C3-249192568568}"/>
+                <a16:creationId xmlns:a16="http://schemas.microsoft.com/office/drawing/2014/main" xmlns="" id="{B98AC895-E312-618E-03C3-249192568568}"/>
               </a:ext>
             </a:extLst>
           </p:cNvPr>
@@ -8063,6 +8112,13 @@
   <p:clrMapOvr>
     <a:masterClrMapping/>
   </p:clrMapOvr>
+  <p:timing>
+    <p:tnLst>
+      <p:par>
+        <p:cTn id="1" dur="indefinite" restart="never" nodeType="tmRoot"/>
+      </p:par>
+    </p:tnLst>
+  </p:timing>
 </p:sld>
 </file>
 
@@ -8096,7 +8152,7 @@
           <p:cNvPr id="4" name="TextBox 3">
             <a:extLst>
               <a:ext uri="{FF2B5EF4-FFF2-40B4-BE49-F238E27FC236}">
-                <a16:creationId xmlns:a16="http://schemas.microsoft.com/office/drawing/2014/main" id="{B6956878-ABEC-AF9A-D2CE-3CA826B6E387}"/>
+                <a16:creationId xmlns:a16="http://schemas.microsoft.com/office/drawing/2014/main" xmlns="" id="{B6956878-ABEC-AF9A-D2CE-3CA826B6E387}"/>
               </a:ext>
             </a:extLst>
           </p:cNvPr>
@@ -8144,7 +8200,7 @@
           <p:cNvPr id="6" name="직선 연결선 5">
             <a:extLst>
               <a:ext uri="{FF2B5EF4-FFF2-40B4-BE49-F238E27FC236}">
-                <a16:creationId xmlns:a16="http://schemas.microsoft.com/office/drawing/2014/main" id="{AA083F78-7EAC-088E-92A6-2CCA7C19FAAA}"/>
+                <a16:creationId xmlns:a16="http://schemas.microsoft.com/office/drawing/2014/main" xmlns="" id="{AA083F78-7EAC-088E-92A6-2CCA7C19FAAA}"/>
               </a:ext>
             </a:extLst>
           </p:cNvPr>
@@ -8238,6 +8294,13 @@
   <p:clrMapOvr>
     <a:masterClrMapping/>
   </p:clrMapOvr>
+  <p:timing>
+    <p:tnLst>
+      <p:par>
+        <p:cTn id="1" dur="indefinite" restart="never" nodeType="tmRoot"/>
+      </p:par>
+    </p:tnLst>
+  </p:timing>
 </p:sld>
 </file>
 
